--- a/develop/drawings/tasklist.pptx
+++ b/develop/drawings/tasklist.pptx
@@ -5,17 +5,33 @@
     <p:sldMasterId id="2147483648" r:id="rId1"/>
   </p:sldMasterIdLst>
   <p:sldIdLst>
-    <p:sldId id="256" r:id="rId2"/>
-    <p:sldId id="257" r:id="rId3"/>
-    <p:sldId id="258" r:id="rId4"/>
-    <p:sldId id="259" r:id="rId5"/>
-    <p:sldId id="260" r:id="rId6"/>
-    <p:sldId id="261" r:id="rId7"/>
-    <p:sldId id="262" r:id="rId8"/>
-    <p:sldId id="263" r:id="rId9"/>
-    <p:sldId id="264" r:id="rId10"/>
-    <p:sldId id="265" r:id="rId11"/>
-    <p:sldId id="266" r:id="rId12"/>
+    <p:sldId id="267" r:id="rId2"/>
+    <p:sldId id="268" r:id="rId3"/>
+    <p:sldId id="269" r:id="rId4"/>
+    <p:sldId id="270" r:id="rId5"/>
+    <p:sldId id="271" r:id="rId6"/>
+    <p:sldId id="272" r:id="rId7"/>
+    <p:sldId id="273" r:id="rId8"/>
+    <p:sldId id="274" r:id="rId9"/>
+    <p:sldId id="275" r:id="rId10"/>
+    <p:sldId id="276" r:id="rId11"/>
+    <p:sldId id="277" r:id="rId12"/>
+    <p:sldId id="278" r:id="rId13"/>
+    <p:sldId id="279" r:id="rId14"/>
+    <p:sldId id="280" r:id="rId15"/>
+    <p:sldId id="281" r:id="rId16"/>
+    <p:sldId id="282" r:id="rId17"/>
+    <p:sldId id="256" r:id="rId18"/>
+    <p:sldId id="257" r:id="rId19"/>
+    <p:sldId id="258" r:id="rId20"/>
+    <p:sldId id="259" r:id="rId21"/>
+    <p:sldId id="260" r:id="rId22"/>
+    <p:sldId id="261" r:id="rId23"/>
+    <p:sldId id="262" r:id="rId24"/>
+    <p:sldId id="263" r:id="rId25"/>
+    <p:sldId id="264" r:id="rId26"/>
+    <p:sldId id="265" r:id="rId27"/>
+    <p:sldId id="266" r:id="rId28"/>
   </p:sldIdLst>
   <p:sldSz cx="12192000" cy="6858000"/>
   <p:notesSz cx="6858000" cy="9144000"/>
@@ -114,6 +130,46 @@
       </a:defRPr>
     </a:lvl9pPr>
   </p:defaultTextStyle>
+  <p:extLst>
+    <p:ext uri="{521415D9-36F7-43E2-AB2F-B90AF26B5E84}">
+      <p14:sectionLst xmlns:p14="http://schemas.microsoft.com/office/powerpoint/2010/main">
+        <p14:section name="Standardabschnitt" id="{F57D9E09-4C87-436A-8981-119EE578AE9D}">
+          <p14:sldIdLst>
+            <p14:sldId id="267"/>
+            <p14:sldId id="268"/>
+            <p14:sldId id="269"/>
+            <p14:sldId id="270"/>
+            <p14:sldId id="271"/>
+            <p14:sldId id="272"/>
+            <p14:sldId id="273"/>
+            <p14:sldId id="274"/>
+            <p14:sldId id="275"/>
+            <p14:sldId id="276"/>
+            <p14:sldId id="277"/>
+            <p14:sldId id="278"/>
+            <p14:sldId id="279"/>
+            <p14:sldId id="280"/>
+            <p14:sldId id="281"/>
+            <p14:sldId id="282"/>
+            <p14:sldId id="256"/>
+            <p14:sldId id="257"/>
+            <p14:sldId id="258"/>
+            <p14:sldId id="259"/>
+            <p14:sldId id="260"/>
+            <p14:sldId id="261"/>
+            <p14:sldId id="262"/>
+            <p14:sldId id="263"/>
+            <p14:sldId id="264"/>
+            <p14:sldId id="265"/>
+            <p14:sldId id="266"/>
+          </p14:sldIdLst>
+        </p14:section>
+      </p14:sectionLst>
+    </p:ext>
+    <p:ext uri="{EFAFB233-063F-42B5-8137-9DF3F51BA10A}">
+      <p15:sldGuideLst xmlns:p15="http://schemas.microsoft.com/office/powerpoint/2012/main"/>
+    </p:ext>
+  </p:extLst>
 </p:presentation>
 </file>
 
@@ -159,10 +215,9 @@
           </a:lstStyle>
           <a:p>
             <a:r>
-              <a:rPr lang="de-DE" smtClean="0"/>
+              <a:rPr lang="de-DE"/>
               <a:t>Titelmasterformat durch Klicken bearbeiten</a:t>
             </a:r>
-            <a:endParaRPr lang="de-DE"/>
           </a:p>
         </p:txBody>
       </p:sp>
@@ -224,10 +279,9 @@
           </a:lstStyle>
           <a:p>
             <a:r>
-              <a:rPr lang="de-DE" smtClean="0"/>
+              <a:rPr lang="de-DE"/>
               <a:t>Formatvorlage des Untertitelmasters durch Klicken bearbeiten</a:t>
             </a:r>
-            <a:endParaRPr lang="de-DE"/>
           </a:p>
         </p:txBody>
       </p:sp>
@@ -248,7 +302,7 @@
           <a:p>
             <a:fld id="{1143486E-4AE9-4498-A3E6-D50A6A81D0AC}" type="datetimeFigureOut">
               <a:rPr lang="de-DE" smtClean="0"/>
-              <a:t>23.10.2015</a:t>
+              <a:t>09.05.2016</a:t>
             </a:fld>
             <a:endParaRPr lang="de-DE"/>
           </a:p>
@@ -342,10 +396,9 @@
           <a:lstStyle/>
           <a:p>
             <a:r>
-              <a:rPr lang="de-DE" smtClean="0"/>
+              <a:rPr lang="de-DE"/>
               <a:t>Titelmasterformat durch Klicken bearbeiten</a:t>
             </a:r>
-            <a:endParaRPr lang="de-DE"/>
           </a:p>
         </p:txBody>
       </p:sp>
@@ -366,38 +419,37 @@
           <a:p>
             <a:pPr lvl="0"/>
             <a:r>
-              <a:rPr lang="de-DE" smtClean="0"/>
+              <a:rPr lang="de-DE"/>
               <a:t>Textmasterformat bearbeiten</a:t>
             </a:r>
           </a:p>
           <a:p>
             <a:pPr lvl="1"/>
             <a:r>
-              <a:rPr lang="de-DE" smtClean="0"/>
+              <a:rPr lang="de-DE"/>
               <a:t>Zweite Ebene</a:t>
             </a:r>
           </a:p>
           <a:p>
             <a:pPr lvl="2"/>
             <a:r>
-              <a:rPr lang="de-DE" smtClean="0"/>
+              <a:rPr lang="de-DE"/>
               <a:t>Dritte Ebene</a:t>
             </a:r>
           </a:p>
           <a:p>
             <a:pPr lvl="3"/>
             <a:r>
-              <a:rPr lang="de-DE" smtClean="0"/>
+              <a:rPr lang="de-DE"/>
               <a:t>Vierte Ebene</a:t>
             </a:r>
           </a:p>
           <a:p>
             <a:pPr lvl="4"/>
             <a:r>
-              <a:rPr lang="de-DE" smtClean="0"/>
+              <a:rPr lang="de-DE"/>
               <a:t>Fünfte Ebene</a:t>
             </a:r>
-            <a:endParaRPr lang="de-DE"/>
           </a:p>
         </p:txBody>
       </p:sp>
@@ -418,7 +470,7 @@
           <a:p>
             <a:fld id="{1143486E-4AE9-4498-A3E6-D50A6A81D0AC}" type="datetimeFigureOut">
               <a:rPr lang="de-DE" smtClean="0"/>
-              <a:t>23.10.2015</a:t>
+              <a:t>09.05.2016</a:t>
             </a:fld>
             <a:endParaRPr lang="de-DE"/>
           </a:p>
@@ -517,10 +569,9 @@
           <a:lstStyle/>
           <a:p>
             <a:r>
-              <a:rPr lang="de-DE" smtClean="0"/>
+              <a:rPr lang="de-DE"/>
               <a:t>Titelmasterformat durch Klicken bearbeiten</a:t>
             </a:r>
-            <a:endParaRPr lang="de-DE"/>
           </a:p>
         </p:txBody>
       </p:sp>
@@ -546,38 +597,37 @@
           <a:p>
             <a:pPr lvl="0"/>
             <a:r>
-              <a:rPr lang="de-DE" smtClean="0"/>
+              <a:rPr lang="de-DE"/>
               <a:t>Textmasterformat bearbeiten</a:t>
             </a:r>
           </a:p>
           <a:p>
             <a:pPr lvl="1"/>
             <a:r>
-              <a:rPr lang="de-DE" smtClean="0"/>
+              <a:rPr lang="de-DE"/>
               <a:t>Zweite Ebene</a:t>
             </a:r>
           </a:p>
           <a:p>
             <a:pPr lvl="2"/>
             <a:r>
-              <a:rPr lang="de-DE" smtClean="0"/>
+              <a:rPr lang="de-DE"/>
               <a:t>Dritte Ebene</a:t>
             </a:r>
           </a:p>
           <a:p>
             <a:pPr lvl="3"/>
             <a:r>
-              <a:rPr lang="de-DE" smtClean="0"/>
+              <a:rPr lang="de-DE"/>
               <a:t>Vierte Ebene</a:t>
             </a:r>
           </a:p>
           <a:p>
             <a:pPr lvl="4"/>
             <a:r>
-              <a:rPr lang="de-DE" smtClean="0"/>
+              <a:rPr lang="de-DE"/>
               <a:t>Fünfte Ebene</a:t>
             </a:r>
-            <a:endParaRPr lang="de-DE"/>
           </a:p>
         </p:txBody>
       </p:sp>
@@ -598,7 +648,7 @@
           <a:p>
             <a:fld id="{1143486E-4AE9-4498-A3E6-D50A6A81D0AC}" type="datetimeFigureOut">
               <a:rPr lang="de-DE" smtClean="0"/>
-              <a:t>23.10.2015</a:t>
+              <a:t>09.05.2016</a:t>
             </a:fld>
             <a:endParaRPr lang="de-DE"/>
           </a:p>
@@ -692,10 +742,9 @@
           <a:lstStyle/>
           <a:p>
             <a:r>
-              <a:rPr lang="de-DE" smtClean="0"/>
+              <a:rPr lang="de-DE"/>
               <a:t>Titelmasterformat durch Klicken bearbeiten</a:t>
             </a:r>
-            <a:endParaRPr lang="de-DE"/>
           </a:p>
         </p:txBody>
       </p:sp>
@@ -716,38 +765,37 @@
           <a:p>
             <a:pPr lvl="0"/>
             <a:r>
-              <a:rPr lang="de-DE" smtClean="0"/>
+              <a:rPr lang="de-DE"/>
               <a:t>Textmasterformat bearbeiten</a:t>
             </a:r>
           </a:p>
           <a:p>
             <a:pPr lvl="1"/>
             <a:r>
-              <a:rPr lang="de-DE" smtClean="0"/>
+              <a:rPr lang="de-DE"/>
               <a:t>Zweite Ebene</a:t>
             </a:r>
           </a:p>
           <a:p>
             <a:pPr lvl="2"/>
             <a:r>
-              <a:rPr lang="de-DE" smtClean="0"/>
+              <a:rPr lang="de-DE"/>
               <a:t>Dritte Ebene</a:t>
             </a:r>
           </a:p>
           <a:p>
             <a:pPr lvl="3"/>
             <a:r>
-              <a:rPr lang="de-DE" smtClean="0"/>
+              <a:rPr lang="de-DE"/>
               <a:t>Vierte Ebene</a:t>
             </a:r>
           </a:p>
           <a:p>
             <a:pPr lvl="4"/>
             <a:r>
-              <a:rPr lang="de-DE" smtClean="0"/>
+              <a:rPr lang="de-DE"/>
               <a:t>Fünfte Ebene</a:t>
             </a:r>
-            <a:endParaRPr lang="de-DE"/>
           </a:p>
         </p:txBody>
       </p:sp>
@@ -768,7 +816,7 @@
           <a:p>
             <a:fld id="{1143486E-4AE9-4498-A3E6-D50A6A81D0AC}" type="datetimeFigureOut">
               <a:rPr lang="de-DE" smtClean="0"/>
-              <a:t>23.10.2015</a:t>
+              <a:t>09.05.2016</a:t>
             </a:fld>
             <a:endParaRPr lang="de-DE"/>
           </a:p>
@@ -871,10 +919,9 @@
           </a:lstStyle>
           <a:p>
             <a:r>
-              <a:rPr lang="de-DE" smtClean="0"/>
+              <a:rPr lang="de-DE"/>
               <a:t>Titelmasterformat durch Klicken bearbeiten</a:t>
             </a:r>
-            <a:endParaRPr lang="de-DE"/>
           </a:p>
         </p:txBody>
       </p:sp>
@@ -991,7 +1038,7 @@
           <a:p>
             <a:pPr lvl="0"/>
             <a:r>
-              <a:rPr lang="de-DE" smtClean="0"/>
+              <a:rPr lang="de-DE"/>
               <a:t>Textmasterformat bearbeiten</a:t>
             </a:r>
           </a:p>
@@ -1014,7 +1061,7 @@
           <a:p>
             <a:fld id="{1143486E-4AE9-4498-A3E6-D50A6A81D0AC}" type="datetimeFigureOut">
               <a:rPr lang="de-DE" smtClean="0"/>
-              <a:t>23.10.2015</a:t>
+              <a:t>09.05.2016</a:t>
             </a:fld>
             <a:endParaRPr lang="de-DE"/>
           </a:p>
@@ -1108,10 +1155,9 @@
           <a:lstStyle/>
           <a:p>
             <a:r>
-              <a:rPr lang="de-DE" smtClean="0"/>
+              <a:rPr lang="de-DE"/>
               <a:t>Titelmasterformat durch Klicken bearbeiten</a:t>
             </a:r>
-            <a:endParaRPr lang="de-DE"/>
           </a:p>
         </p:txBody>
       </p:sp>
@@ -1137,38 +1183,37 @@
           <a:p>
             <a:pPr lvl="0"/>
             <a:r>
-              <a:rPr lang="de-DE" smtClean="0"/>
+              <a:rPr lang="de-DE"/>
               <a:t>Textmasterformat bearbeiten</a:t>
             </a:r>
           </a:p>
           <a:p>
             <a:pPr lvl="1"/>
             <a:r>
-              <a:rPr lang="de-DE" smtClean="0"/>
+              <a:rPr lang="de-DE"/>
               <a:t>Zweite Ebene</a:t>
             </a:r>
           </a:p>
           <a:p>
             <a:pPr lvl="2"/>
             <a:r>
-              <a:rPr lang="de-DE" smtClean="0"/>
+              <a:rPr lang="de-DE"/>
               <a:t>Dritte Ebene</a:t>
             </a:r>
           </a:p>
           <a:p>
             <a:pPr lvl="3"/>
             <a:r>
-              <a:rPr lang="de-DE" smtClean="0"/>
+              <a:rPr lang="de-DE"/>
               <a:t>Vierte Ebene</a:t>
             </a:r>
           </a:p>
           <a:p>
             <a:pPr lvl="4"/>
             <a:r>
-              <a:rPr lang="de-DE" smtClean="0"/>
+              <a:rPr lang="de-DE"/>
               <a:t>Fünfte Ebene</a:t>
             </a:r>
-            <a:endParaRPr lang="de-DE"/>
           </a:p>
         </p:txBody>
       </p:sp>
@@ -1194,38 +1239,37 @@
           <a:p>
             <a:pPr lvl="0"/>
             <a:r>
-              <a:rPr lang="de-DE" smtClean="0"/>
+              <a:rPr lang="de-DE"/>
               <a:t>Textmasterformat bearbeiten</a:t>
             </a:r>
           </a:p>
           <a:p>
             <a:pPr lvl="1"/>
             <a:r>
-              <a:rPr lang="de-DE" smtClean="0"/>
+              <a:rPr lang="de-DE"/>
               <a:t>Zweite Ebene</a:t>
             </a:r>
           </a:p>
           <a:p>
             <a:pPr lvl="2"/>
             <a:r>
-              <a:rPr lang="de-DE" smtClean="0"/>
+              <a:rPr lang="de-DE"/>
               <a:t>Dritte Ebene</a:t>
             </a:r>
           </a:p>
           <a:p>
             <a:pPr lvl="3"/>
             <a:r>
-              <a:rPr lang="de-DE" smtClean="0"/>
+              <a:rPr lang="de-DE"/>
               <a:t>Vierte Ebene</a:t>
             </a:r>
           </a:p>
           <a:p>
             <a:pPr lvl="4"/>
             <a:r>
-              <a:rPr lang="de-DE" smtClean="0"/>
+              <a:rPr lang="de-DE"/>
               <a:t>Fünfte Ebene</a:t>
             </a:r>
-            <a:endParaRPr lang="de-DE"/>
           </a:p>
         </p:txBody>
       </p:sp>
@@ -1246,7 +1290,7 @@
           <a:p>
             <a:fld id="{1143486E-4AE9-4498-A3E6-D50A6A81D0AC}" type="datetimeFigureOut">
               <a:rPr lang="de-DE" smtClean="0"/>
-              <a:t>23.10.2015</a:t>
+              <a:t>09.05.2016</a:t>
             </a:fld>
             <a:endParaRPr lang="de-DE"/>
           </a:p>
@@ -1345,10 +1389,9 @@
           <a:lstStyle/>
           <a:p>
             <a:r>
-              <a:rPr lang="de-DE" smtClean="0"/>
+              <a:rPr lang="de-DE"/>
               <a:t>Titelmasterformat durch Klicken bearbeiten</a:t>
             </a:r>
-            <a:endParaRPr lang="de-DE"/>
           </a:p>
         </p:txBody>
       </p:sp>
@@ -1411,7 +1454,7 @@
           <a:p>
             <a:pPr lvl="0"/>
             <a:r>
-              <a:rPr lang="de-DE" smtClean="0"/>
+              <a:rPr lang="de-DE"/>
               <a:t>Textmasterformat bearbeiten</a:t>
             </a:r>
           </a:p>
@@ -1439,38 +1482,37 @@
           <a:p>
             <a:pPr lvl="0"/>
             <a:r>
-              <a:rPr lang="de-DE" smtClean="0"/>
+              <a:rPr lang="de-DE"/>
               <a:t>Textmasterformat bearbeiten</a:t>
             </a:r>
           </a:p>
           <a:p>
             <a:pPr lvl="1"/>
             <a:r>
-              <a:rPr lang="de-DE" smtClean="0"/>
+              <a:rPr lang="de-DE"/>
               <a:t>Zweite Ebene</a:t>
             </a:r>
           </a:p>
           <a:p>
             <a:pPr lvl="2"/>
             <a:r>
-              <a:rPr lang="de-DE" smtClean="0"/>
+              <a:rPr lang="de-DE"/>
               <a:t>Dritte Ebene</a:t>
             </a:r>
           </a:p>
           <a:p>
             <a:pPr lvl="3"/>
             <a:r>
-              <a:rPr lang="de-DE" smtClean="0"/>
+              <a:rPr lang="de-DE"/>
               <a:t>Vierte Ebene</a:t>
             </a:r>
           </a:p>
           <a:p>
             <a:pPr lvl="4"/>
             <a:r>
-              <a:rPr lang="de-DE" smtClean="0"/>
+              <a:rPr lang="de-DE"/>
               <a:t>Fünfte Ebene</a:t>
             </a:r>
-            <a:endParaRPr lang="de-DE"/>
           </a:p>
         </p:txBody>
       </p:sp>
@@ -1533,7 +1575,7 @@
           <a:p>
             <a:pPr lvl="0"/>
             <a:r>
-              <a:rPr lang="de-DE" smtClean="0"/>
+              <a:rPr lang="de-DE"/>
               <a:t>Textmasterformat bearbeiten</a:t>
             </a:r>
           </a:p>
@@ -1561,38 +1603,37 @@
           <a:p>
             <a:pPr lvl="0"/>
             <a:r>
-              <a:rPr lang="de-DE" smtClean="0"/>
+              <a:rPr lang="de-DE"/>
               <a:t>Textmasterformat bearbeiten</a:t>
             </a:r>
           </a:p>
           <a:p>
             <a:pPr lvl="1"/>
             <a:r>
-              <a:rPr lang="de-DE" smtClean="0"/>
+              <a:rPr lang="de-DE"/>
               <a:t>Zweite Ebene</a:t>
             </a:r>
           </a:p>
           <a:p>
             <a:pPr lvl="2"/>
             <a:r>
-              <a:rPr lang="de-DE" smtClean="0"/>
+              <a:rPr lang="de-DE"/>
               <a:t>Dritte Ebene</a:t>
             </a:r>
           </a:p>
           <a:p>
             <a:pPr lvl="3"/>
             <a:r>
-              <a:rPr lang="de-DE" smtClean="0"/>
+              <a:rPr lang="de-DE"/>
               <a:t>Vierte Ebene</a:t>
             </a:r>
           </a:p>
           <a:p>
             <a:pPr lvl="4"/>
             <a:r>
-              <a:rPr lang="de-DE" smtClean="0"/>
+              <a:rPr lang="de-DE"/>
               <a:t>Fünfte Ebene</a:t>
             </a:r>
-            <a:endParaRPr lang="de-DE"/>
           </a:p>
         </p:txBody>
       </p:sp>
@@ -1613,7 +1654,7 @@
           <a:p>
             <a:fld id="{1143486E-4AE9-4498-A3E6-D50A6A81D0AC}" type="datetimeFigureOut">
               <a:rPr lang="de-DE" smtClean="0"/>
-              <a:t>23.10.2015</a:t>
+              <a:t>09.05.2016</a:t>
             </a:fld>
             <a:endParaRPr lang="de-DE"/>
           </a:p>
@@ -1707,10 +1748,9 @@
           <a:lstStyle/>
           <a:p>
             <a:r>
-              <a:rPr lang="de-DE" smtClean="0"/>
+              <a:rPr lang="de-DE"/>
               <a:t>Titelmasterformat durch Klicken bearbeiten</a:t>
             </a:r>
-            <a:endParaRPr lang="de-DE"/>
           </a:p>
         </p:txBody>
       </p:sp>
@@ -1731,7 +1771,7 @@
           <a:p>
             <a:fld id="{1143486E-4AE9-4498-A3E6-D50A6A81D0AC}" type="datetimeFigureOut">
               <a:rPr lang="de-DE" smtClean="0"/>
-              <a:t>23.10.2015</a:t>
+              <a:t>09.05.2016</a:t>
             </a:fld>
             <a:endParaRPr lang="de-DE"/>
           </a:p>
@@ -1826,7 +1866,7 @@
           <a:p>
             <a:fld id="{1143486E-4AE9-4498-A3E6-D50A6A81D0AC}" type="datetimeFigureOut">
               <a:rPr lang="de-DE" smtClean="0"/>
-              <a:t>23.10.2015</a:t>
+              <a:t>09.05.2016</a:t>
             </a:fld>
             <a:endParaRPr lang="de-DE"/>
           </a:p>
@@ -1929,10 +1969,9 @@
           </a:lstStyle>
           <a:p>
             <a:r>
-              <a:rPr lang="de-DE" smtClean="0"/>
+              <a:rPr lang="de-DE"/>
               <a:t>Titelmasterformat durch Klicken bearbeiten</a:t>
             </a:r>
-            <a:endParaRPr lang="de-DE"/>
           </a:p>
         </p:txBody>
       </p:sp>
@@ -1986,38 +2025,37 @@
           <a:p>
             <a:pPr lvl="0"/>
             <a:r>
-              <a:rPr lang="de-DE" smtClean="0"/>
+              <a:rPr lang="de-DE"/>
               <a:t>Textmasterformat bearbeiten</a:t>
             </a:r>
           </a:p>
           <a:p>
             <a:pPr lvl="1"/>
             <a:r>
-              <a:rPr lang="de-DE" smtClean="0"/>
+              <a:rPr lang="de-DE"/>
               <a:t>Zweite Ebene</a:t>
             </a:r>
           </a:p>
           <a:p>
             <a:pPr lvl="2"/>
             <a:r>
-              <a:rPr lang="de-DE" smtClean="0"/>
+              <a:rPr lang="de-DE"/>
               <a:t>Dritte Ebene</a:t>
             </a:r>
           </a:p>
           <a:p>
             <a:pPr lvl="3"/>
             <a:r>
-              <a:rPr lang="de-DE" smtClean="0"/>
+              <a:rPr lang="de-DE"/>
               <a:t>Vierte Ebene</a:t>
             </a:r>
           </a:p>
           <a:p>
             <a:pPr lvl="4"/>
             <a:r>
-              <a:rPr lang="de-DE" smtClean="0"/>
+              <a:rPr lang="de-DE"/>
               <a:t>Fünfte Ebene</a:t>
             </a:r>
-            <a:endParaRPr lang="de-DE"/>
           </a:p>
         </p:txBody>
       </p:sp>
@@ -2080,7 +2118,7 @@
           <a:p>
             <a:pPr lvl="0"/>
             <a:r>
-              <a:rPr lang="de-DE" smtClean="0"/>
+              <a:rPr lang="de-DE"/>
               <a:t>Textmasterformat bearbeiten</a:t>
             </a:r>
           </a:p>
@@ -2103,7 +2141,7 @@
           <a:p>
             <a:fld id="{1143486E-4AE9-4498-A3E6-D50A6A81D0AC}" type="datetimeFigureOut">
               <a:rPr lang="de-DE" smtClean="0"/>
-              <a:t>23.10.2015</a:t>
+              <a:t>09.05.2016</a:t>
             </a:fld>
             <a:endParaRPr lang="de-DE"/>
           </a:p>
@@ -2206,10 +2244,9 @@
           </a:lstStyle>
           <a:p>
             <a:r>
-              <a:rPr lang="de-DE" smtClean="0"/>
+              <a:rPr lang="de-DE"/>
               <a:t>Titelmasterformat durch Klicken bearbeiten</a:t>
             </a:r>
-            <a:endParaRPr lang="de-DE"/>
           </a:p>
         </p:txBody>
       </p:sp>
@@ -2333,7 +2370,7 @@
           <a:p>
             <a:pPr lvl="0"/>
             <a:r>
-              <a:rPr lang="de-DE" smtClean="0"/>
+              <a:rPr lang="de-DE"/>
               <a:t>Textmasterformat bearbeiten</a:t>
             </a:r>
           </a:p>
@@ -2356,7 +2393,7 @@
           <a:p>
             <a:fld id="{1143486E-4AE9-4498-A3E6-D50A6A81D0AC}" type="datetimeFigureOut">
               <a:rPr lang="de-DE" smtClean="0"/>
-              <a:t>23.10.2015</a:t>
+              <a:t>09.05.2016</a:t>
             </a:fld>
             <a:endParaRPr lang="de-DE"/>
           </a:p>
@@ -2465,10 +2502,9 @@
           <a:lstStyle/>
           <a:p>
             <a:r>
-              <a:rPr lang="de-DE" smtClean="0"/>
+              <a:rPr lang="de-DE"/>
               <a:t>Titelmasterformat durch Klicken bearbeiten</a:t>
             </a:r>
-            <a:endParaRPr lang="de-DE"/>
           </a:p>
         </p:txBody>
       </p:sp>
@@ -2499,38 +2535,37 @@
           <a:p>
             <a:pPr lvl="0"/>
             <a:r>
-              <a:rPr lang="de-DE" smtClean="0"/>
+              <a:rPr lang="de-DE"/>
               <a:t>Textmasterformat bearbeiten</a:t>
             </a:r>
           </a:p>
           <a:p>
             <a:pPr lvl="1"/>
             <a:r>
-              <a:rPr lang="de-DE" smtClean="0"/>
+              <a:rPr lang="de-DE"/>
               <a:t>Zweite Ebene</a:t>
             </a:r>
           </a:p>
           <a:p>
             <a:pPr lvl="2"/>
             <a:r>
-              <a:rPr lang="de-DE" smtClean="0"/>
+              <a:rPr lang="de-DE"/>
               <a:t>Dritte Ebene</a:t>
             </a:r>
           </a:p>
           <a:p>
             <a:pPr lvl="3"/>
             <a:r>
-              <a:rPr lang="de-DE" smtClean="0"/>
+              <a:rPr lang="de-DE"/>
               <a:t>Vierte Ebene</a:t>
             </a:r>
           </a:p>
           <a:p>
             <a:pPr lvl="4"/>
             <a:r>
-              <a:rPr lang="de-DE" smtClean="0"/>
+              <a:rPr lang="de-DE"/>
               <a:t>Fünfte Ebene</a:t>
             </a:r>
-            <a:endParaRPr lang="de-DE"/>
           </a:p>
         </p:txBody>
       </p:sp>
@@ -2569,7 +2604,7 @@
           <a:p>
             <a:fld id="{1143486E-4AE9-4498-A3E6-D50A6A81D0AC}" type="datetimeFigureOut">
               <a:rPr lang="de-DE" smtClean="0"/>
-              <a:t>23.10.2015</a:t>
+              <a:t>09.05.2016</a:t>
             </a:fld>
             <a:endParaRPr lang="de-DE"/>
           </a:p>
@@ -2990,66 +3025,18 @@
         </p:blipFill>
         <p:spPr>
           <a:xfrm>
-            <a:off x="1524000" y="1213938"/>
-            <a:ext cx="9144000" cy="4468167"/>
+            <a:off x="0" y="372341"/>
+            <a:ext cx="12192000" cy="5676510"/>
           </a:xfrm>
           <a:prstGeom prst="rect">
             <a:avLst/>
           </a:prstGeom>
         </p:spPr>
       </p:pic>
-      <p:sp>
-        <p:nvSpPr>
-          <p:cNvPr id="4" name="Bogen 3"/>
-          <p:cNvSpPr/>
-          <p:nvPr/>
-        </p:nvSpPr>
-        <p:spPr>
-          <a:xfrm rot="7181767" flipV="1">
-            <a:off x="8495073" y="1587044"/>
-            <a:ext cx="1138290" cy="382159"/>
-          </a:xfrm>
-          <a:prstGeom prst="arc">
-            <a:avLst>
-              <a:gd name="adj1" fmla="val 802510"/>
-              <a:gd name="adj2" fmla="val 10139347"/>
-            </a:avLst>
-          </a:prstGeom>
-          <a:ln w="57150">
-            <a:solidFill>
-              <a:srgbClr val="C00000"/>
-            </a:solidFill>
-            <a:headEnd type="triangle"/>
-            <a:tailEnd type="none"/>
-          </a:ln>
-        </p:spPr>
-        <p:style>
-          <a:lnRef idx="1">
-            <a:schemeClr val="accent1"/>
-          </a:lnRef>
-          <a:fillRef idx="0">
-            <a:schemeClr val="accent1"/>
-          </a:fillRef>
-          <a:effectRef idx="0">
-            <a:schemeClr val="accent1"/>
-          </a:effectRef>
-          <a:fontRef idx="minor">
-            <a:schemeClr val="tx1"/>
-          </a:fontRef>
-        </p:style>
-        <p:txBody>
-          <a:bodyPr rtlCol="0" anchor="ctr"/>
-          <a:lstStyle/>
-          <a:p>
-            <a:pPr algn="ctr"/>
-            <a:endParaRPr lang="de-DE"/>
-          </a:p>
-        </p:txBody>
-      </p:sp>
     </p:spTree>
     <p:extLst>
       <p:ext uri="{BB962C8B-B14F-4D97-AF65-F5344CB8AC3E}">
-        <p14:creationId xmlns:p14="http://schemas.microsoft.com/office/powerpoint/2010/main" val="997986424"/>
+        <p14:creationId xmlns:p14="http://schemas.microsoft.com/office/powerpoint/2010/main" val="3962111250"/>
       </p:ext>
     </p:extLst>
   </p:cSld>
@@ -3078,7 +3065,7 @@
       </p:grpSpPr>
       <p:pic>
         <p:nvPicPr>
-          <p:cNvPr id="2" name="Grafik 1"/>
+          <p:cNvPr id="4" name="Grafik 3"/>
           <p:cNvPicPr>
             <a:picLocks noChangeAspect="1"/>
           </p:cNvPicPr>
@@ -3092,8 +3079,8 @@
         </p:blipFill>
         <p:spPr>
           <a:xfrm>
-            <a:off x="1514643" y="836712"/>
-            <a:ext cx="9153357" cy="4523072"/>
+            <a:off x="1" y="321397"/>
+            <a:ext cx="12192000" cy="5689600"/>
           </a:xfrm>
           <a:prstGeom prst="rect">
             <a:avLst/>
@@ -3102,46 +3089,41 @@
       </p:pic>
       <p:sp>
         <p:nvSpPr>
-          <p:cNvPr id="8" name="Rechteck 7"/>
+          <p:cNvPr id="5" name="Bogen 4"/>
           <p:cNvSpPr/>
           <p:nvPr/>
         </p:nvSpPr>
         <p:spPr>
-          <a:xfrm>
-            <a:off x="5447928" y="2348880"/>
-            <a:ext cx="2304256" cy="288032"/>
-          </a:xfrm>
-          <a:prstGeom prst="rect">
-            <a:avLst/>
-          </a:prstGeom>
-          <a:noFill/>
-          <a:ln w="12700">
+          <a:xfrm rot="526351" flipV="1">
+            <a:off x="125211" y="952771"/>
+            <a:ext cx="4144785" cy="1060587"/>
+          </a:xfrm>
+          <a:prstGeom prst="arc">
+            <a:avLst>
+              <a:gd name="adj1" fmla="val 5864870"/>
+              <a:gd name="adj2" fmla="val 9574470"/>
+            </a:avLst>
+          </a:prstGeom>
+          <a:ln w="57150">
             <a:solidFill>
-              <a:schemeClr val="tx1"/>
+              <a:srgbClr val="C00000"/>
             </a:solidFill>
+            <a:headEnd type="triangle"/>
+            <a:tailEnd type="none"/>
           </a:ln>
-          <a:effectLst>
-            <a:outerShdw blurRad="63500" sx="102000" sy="102000" algn="ctr" rotWithShape="0">
-              <a:prstClr val="black">
-                <a:alpha val="40000"/>
-              </a:prstClr>
-            </a:outerShdw>
-          </a:effectLst>
         </p:spPr>
         <p:style>
-          <a:lnRef idx="2">
-            <a:schemeClr val="accent1">
-              <a:shade val="50000"/>
-            </a:schemeClr>
+          <a:lnRef idx="1">
+            <a:schemeClr val="accent1"/>
           </a:lnRef>
-          <a:fillRef idx="1">
+          <a:fillRef idx="0">
             <a:schemeClr val="accent1"/>
           </a:fillRef>
           <a:effectRef idx="0">
             <a:schemeClr val="accent1"/>
           </a:effectRef>
           <a:fontRef idx="minor">
-            <a:schemeClr val="lt1"/>
+            <a:schemeClr val="tx1"/>
           </a:fontRef>
         </p:style>
         <p:txBody>
@@ -3156,7 +3138,7 @@
     </p:spTree>
     <p:extLst>
       <p:ext uri="{BB962C8B-B14F-4D97-AF65-F5344CB8AC3E}">
-        <p14:creationId xmlns:p14="http://schemas.microsoft.com/office/powerpoint/2010/main" val="1874420316"/>
+        <p14:creationId xmlns:p14="http://schemas.microsoft.com/office/powerpoint/2010/main" val="3371431483"/>
       </p:ext>
     </p:extLst>
   </p:cSld>
@@ -3185,7 +3167,7 @@
       </p:grpSpPr>
       <p:pic>
         <p:nvPicPr>
-          <p:cNvPr id="2" name="Grafik 1"/>
+          <p:cNvPr id="4" name="Grafik 3"/>
           <p:cNvPicPr>
             <a:picLocks noChangeAspect="1"/>
           </p:cNvPicPr>
@@ -3199,8 +3181,8 @@
         </p:blipFill>
         <p:spPr>
           <a:xfrm>
-            <a:off x="1524000" y="956960"/>
-            <a:ext cx="9144000" cy="4488264"/>
+            <a:off x="0" y="340159"/>
+            <a:ext cx="12192000" cy="5667584"/>
           </a:xfrm>
           <a:prstGeom prst="rect">
             <a:avLst/>
@@ -3210,7 +3192,838 @@
     </p:spTree>
     <p:extLst>
       <p:ext uri="{BB962C8B-B14F-4D97-AF65-F5344CB8AC3E}">
-        <p14:creationId xmlns:p14="http://schemas.microsoft.com/office/powerpoint/2010/main" val="797570657"/>
+        <p14:creationId xmlns:p14="http://schemas.microsoft.com/office/powerpoint/2010/main" val="619356464"/>
+      </p:ext>
+    </p:extLst>
+  </p:cSld>
+  <p:clrMapOvr>
+    <a:masterClrMapping/>
+  </p:clrMapOvr>
+</p:sld>
+</file>
+
+<file path=ppt/slides/slide12.xml><?xml version="1.0" encoding="utf-8"?>
+<p:sld xmlns:a="http://schemas.openxmlformats.org/drawingml/2006/main" xmlns:r="http://schemas.openxmlformats.org/officeDocument/2006/relationships" xmlns:p="http://schemas.openxmlformats.org/presentationml/2006/main">
+  <p:cSld>
+    <p:spTree>
+      <p:nvGrpSpPr>
+        <p:cNvPr id="1" name=""/>
+        <p:cNvGrpSpPr/>
+        <p:nvPr/>
+      </p:nvGrpSpPr>
+      <p:grpSpPr>
+        <a:xfrm>
+          <a:off x="0" y="0"/>
+          <a:ext cx="0" cy="0"/>
+          <a:chOff x="0" y="0"/>
+          <a:chExt cx="0" cy="0"/>
+        </a:xfrm>
+      </p:grpSpPr>
+      <p:pic>
+        <p:nvPicPr>
+          <p:cNvPr id="5" name="Grafik 4"/>
+          <p:cNvPicPr>
+            <a:picLocks noChangeAspect="1"/>
+          </p:cNvPicPr>
+          <p:nvPr/>
+        </p:nvPicPr>
+        <p:blipFill>
+          <a:blip r:embed="rId2"/>
+          <a:stretch>
+            <a:fillRect/>
+          </a:stretch>
+        </p:blipFill>
+        <p:spPr>
+          <a:xfrm>
+            <a:off x="0" y="308408"/>
+            <a:ext cx="12192000" cy="6498229"/>
+          </a:xfrm>
+          <a:prstGeom prst="rect">
+            <a:avLst/>
+          </a:prstGeom>
+        </p:spPr>
+      </p:pic>
+    </p:spTree>
+    <p:extLst>
+      <p:ext uri="{BB962C8B-B14F-4D97-AF65-F5344CB8AC3E}">
+        <p14:creationId xmlns:p14="http://schemas.microsoft.com/office/powerpoint/2010/main" val="2974825872"/>
+      </p:ext>
+    </p:extLst>
+  </p:cSld>
+  <p:clrMapOvr>
+    <a:masterClrMapping/>
+  </p:clrMapOvr>
+</p:sld>
+</file>
+
+<file path=ppt/slides/slide13.xml><?xml version="1.0" encoding="utf-8"?>
+<p:sld xmlns:a="http://schemas.openxmlformats.org/drawingml/2006/main" xmlns:r="http://schemas.openxmlformats.org/officeDocument/2006/relationships" xmlns:p="http://schemas.openxmlformats.org/presentationml/2006/main">
+  <p:cSld>
+    <p:spTree>
+      <p:nvGrpSpPr>
+        <p:cNvPr id="1" name=""/>
+        <p:cNvGrpSpPr/>
+        <p:nvPr/>
+      </p:nvGrpSpPr>
+      <p:grpSpPr>
+        <a:xfrm>
+          <a:off x="0" y="0"/>
+          <a:ext cx="0" cy="0"/>
+          <a:chOff x="0" y="0"/>
+          <a:chExt cx="0" cy="0"/>
+        </a:xfrm>
+      </p:grpSpPr>
+      <p:pic>
+        <p:nvPicPr>
+          <p:cNvPr id="4" name="Grafik 3"/>
+          <p:cNvPicPr>
+            <a:picLocks noChangeAspect="1"/>
+          </p:cNvPicPr>
+          <p:nvPr/>
+        </p:nvPicPr>
+        <p:blipFill>
+          <a:blip r:embed="rId2"/>
+          <a:stretch>
+            <a:fillRect/>
+          </a:stretch>
+        </p:blipFill>
+        <p:spPr>
+          <a:xfrm>
+            <a:off x="0" y="372341"/>
+            <a:ext cx="12192000" cy="5676510"/>
+          </a:xfrm>
+          <a:prstGeom prst="rect">
+            <a:avLst/>
+          </a:prstGeom>
+        </p:spPr>
+      </p:pic>
+      <p:sp>
+        <p:nvSpPr>
+          <p:cNvPr id="5" name="Rechteck 4"/>
+          <p:cNvSpPr/>
+          <p:nvPr/>
+        </p:nvSpPr>
+        <p:spPr>
+          <a:xfrm>
+            <a:off x="4008582" y="378691"/>
+            <a:ext cx="3666836" cy="314036"/>
+          </a:xfrm>
+          <a:prstGeom prst="rect">
+            <a:avLst/>
+          </a:prstGeom>
+          <a:pattFill prst="dkDnDiag">
+            <a:fgClr>
+              <a:schemeClr val="accent1"/>
+            </a:fgClr>
+            <a:bgClr>
+              <a:schemeClr val="bg1"/>
+            </a:bgClr>
+          </a:pattFill>
+          <a:ln>
+            <a:noFill/>
+          </a:ln>
+        </p:spPr>
+        <p:style>
+          <a:lnRef idx="2">
+            <a:schemeClr val="accent1">
+              <a:shade val="50000"/>
+            </a:schemeClr>
+          </a:lnRef>
+          <a:fillRef idx="1">
+            <a:schemeClr val="accent1"/>
+          </a:fillRef>
+          <a:effectRef idx="0">
+            <a:schemeClr val="accent1"/>
+          </a:effectRef>
+          <a:fontRef idx="minor">
+            <a:schemeClr val="lt1"/>
+          </a:fontRef>
+        </p:style>
+        <p:txBody>
+          <a:bodyPr rtlCol="0" anchor="ctr"/>
+          <a:lstStyle/>
+          <a:p>
+            <a:pPr algn="ctr"/>
+            <a:endParaRPr lang="de-DE"/>
+          </a:p>
+        </p:txBody>
+      </p:sp>
+    </p:spTree>
+    <p:extLst>
+      <p:ext uri="{BB962C8B-B14F-4D97-AF65-F5344CB8AC3E}">
+        <p14:creationId xmlns:p14="http://schemas.microsoft.com/office/powerpoint/2010/main" val="4089445552"/>
+      </p:ext>
+    </p:extLst>
+  </p:cSld>
+  <p:clrMapOvr>
+    <a:masterClrMapping/>
+  </p:clrMapOvr>
+</p:sld>
+</file>
+
+<file path=ppt/slides/slide14.xml><?xml version="1.0" encoding="utf-8"?>
+<p:sld xmlns:a="http://schemas.openxmlformats.org/drawingml/2006/main" xmlns:r="http://schemas.openxmlformats.org/officeDocument/2006/relationships" xmlns:p="http://schemas.openxmlformats.org/presentationml/2006/main">
+  <p:cSld>
+    <p:spTree>
+      <p:nvGrpSpPr>
+        <p:cNvPr id="1" name=""/>
+        <p:cNvGrpSpPr/>
+        <p:nvPr/>
+      </p:nvGrpSpPr>
+      <p:grpSpPr>
+        <a:xfrm>
+          <a:off x="0" y="0"/>
+          <a:ext cx="0" cy="0"/>
+          <a:chOff x="0" y="0"/>
+          <a:chExt cx="0" cy="0"/>
+        </a:xfrm>
+      </p:grpSpPr>
+      <p:pic>
+        <p:nvPicPr>
+          <p:cNvPr id="4" name="Grafik 3"/>
+          <p:cNvPicPr>
+            <a:picLocks noChangeAspect="1"/>
+          </p:cNvPicPr>
+          <p:nvPr/>
+        </p:nvPicPr>
+        <p:blipFill>
+          <a:blip r:embed="rId2"/>
+          <a:stretch>
+            <a:fillRect/>
+          </a:stretch>
+        </p:blipFill>
+        <p:spPr>
+          <a:xfrm>
+            <a:off x="0" y="372341"/>
+            <a:ext cx="12192000" cy="5676510"/>
+          </a:xfrm>
+          <a:prstGeom prst="rect">
+            <a:avLst/>
+          </a:prstGeom>
+        </p:spPr>
+      </p:pic>
+      <p:sp>
+        <p:nvSpPr>
+          <p:cNvPr id="5" name="Rechteck 4"/>
+          <p:cNvSpPr/>
+          <p:nvPr/>
+        </p:nvSpPr>
+        <p:spPr>
+          <a:xfrm>
+            <a:off x="5629013" y="772974"/>
+            <a:ext cx="5410390" cy="267261"/>
+          </a:xfrm>
+          <a:prstGeom prst="rect">
+            <a:avLst/>
+          </a:prstGeom>
+          <a:pattFill prst="dkDnDiag">
+            <a:fgClr>
+              <a:schemeClr val="accent1"/>
+            </a:fgClr>
+            <a:bgClr>
+              <a:schemeClr val="bg1"/>
+            </a:bgClr>
+          </a:pattFill>
+          <a:ln>
+            <a:noFill/>
+          </a:ln>
+        </p:spPr>
+        <p:style>
+          <a:lnRef idx="2">
+            <a:schemeClr val="accent1">
+              <a:shade val="50000"/>
+            </a:schemeClr>
+          </a:lnRef>
+          <a:fillRef idx="1">
+            <a:schemeClr val="accent1"/>
+          </a:fillRef>
+          <a:effectRef idx="0">
+            <a:schemeClr val="accent1"/>
+          </a:effectRef>
+          <a:fontRef idx="minor">
+            <a:schemeClr val="lt1"/>
+          </a:fontRef>
+        </p:style>
+        <p:txBody>
+          <a:bodyPr rtlCol="0" anchor="ctr"/>
+          <a:lstStyle/>
+          <a:p>
+            <a:pPr algn="ctr"/>
+            <a:endParaRPr lang="de-DE"/>
+          </a:p>
+        </p:txBody>
+      </p:sp>
+    </p:spTree>
+    <p:extLst>
+      <p:ext uri="{BB962C8B-B14F-4D97-AF65-F5344CB8AC3E}">
+        <p14:creationId xmlns:p14="http://schemas.microsoft.com/office/powerpoint/2010/main" val="1226578595"/>
+      </p:ext>
+    </p:extLst>
+  </p:cSld>
+  <p:clrMapOvr>
+    <a:masterClrMapping/>
+  </p:clrMapOvr>
+</p:sld>
+</file>
+
+<file path=ppt/slides/slide15.xml><?xml version="1.0" encoding="utf-8"?>
+<p:sld xmlns:a="http://schemas.openxmlformats.org/drawingml/2006/main" xmlns:r="http://schemas.openxmlformats.org/officeDocument/2006/relationships" xmlns:p="http://schemas.openxmlformats.org/presentationml/2006/main">
+  <p:cSld>
+    <p:spTree>
+      <p:nvGrpSpPr>
+        <p:cNvPr id="1" name=""/>
+        <p:cNvGrpSpPr/>
+        <p:nvPr/>
+      </p:nvGrpSpPr>
+      <p:grpSpPr>
+        <a:xfrm>
+          <a:off x="0" y="0"/>
+          <a:ext cx="0" cy="0"/>
+          <a:chOff x="0" y="0"/>
+          <a:chExt cx="0" cy="0"/>
+        </a:xfrm>
+      </p:grpSpPr>
+      <p:pic>
+        <p:nvPicPr>
+          <p:cNvPr id="4" name="Grafik 3"/>
+          <p:cNvPicPr>
+            <a:picLocks noChangeAspect="1"/>
+          </p:cNvPicPr>
+          <p:nvPr/>
+        </p:nvPicPr>
+        <p:blipFill>
+          <a:blip r:embed="rId2"/>
+          <a:stretch>
+            <a:fillRect/>
+          </a:stretch>
+        </p:blipFill>
+        <p:spPr>
+          <a:xfrm>
+            <a:off x="0" y="372341"/>
+            <a:ext cx="12192000" cy="5676510"/>
+          </a:xfrm>
+          <a:prstGeom prst="rect">
+            <a:avLst/>
+          </a:prstGeom>
+        </p:spPr>
+      </p:pic>
+      <p:sp>
+        <p:nvSpPr>
+          <p:cNvPr id="5" name="Rechteck 4"/>
+          <p:cNvSpPr/>
+          <p:nvPr/>
+        </p:nvSpPr>
+        <p:spPr>
+          <a:xfrm>
+            <a:off x="8170876" y="2195374"/>
+            <a:ext cx="1575435" cy="267261"/>
+          </a:xfrm>
+          <a:prstGeom prst="rect">
+            <a:avLst/>
+          </a:prstGeom>
+          <a:pattFill prst="dkDnDiag">
+            <a:fgClr>
+              <a:schemeClr val="accent1"/>
+            </a:fgClr>
+            <a:bgClr>
+              <a:schemeClr val="bg1"/>
+            </a:bgClr>
+          </a:pattFill>
+          <a:ln>
+            <a:noFill/>
+          </a:ln>
+        </p:spPr>
+        <p:style>
+          <a:lnRef idx="2">
+            <a:schemeClr val="accent1">
+              <a:shade val="50000"/>
+            </a:schemeClr>
+          </a:lnRef>
+          <a:fillRef idx="1">
+            <a:schemeClr val="accent1"/>
+          </a:fillRef>
+          <a:effectRef idx="0">
+            <a:schemeClr val="accent1"/>
+          </a:effectRef>
+          <a:fontRef idx="minor">
+            <a:schemeClr val="lt1"/>
+          </a:fontRef>
+        </p:style>
+        <p:txBody>
+          <a:bodyPr rtlCol="0" anchor="ctr"/>
+          <a:lstStyle/>
+          <a:p>
+            <a:pPr algn="ctr"/>
+            <a:endParaRPr lang="de-DE" dirty="0"/>
+          </a:p>
+        </p:txBody>
+      </p:sp>
+      <p:sp>
+        <p:nvSpPr>
+          <p:cNvPr id="6" name="Rechteck 5"/>
+          <p:cNvSpPr/>
+          <p:nvPr/>
+        </p:nvSpPr>
+        <p:spPr>
+          <a:xfrm>
+            <a:off x="5244516" y="2462635"/>
+            <a:ext cx="6793686" cy="3586216"/>
+          </a:xfrm>
+          <a:prstGeom prst="rect">
+            <a:avLst/>
+          </a:prstGeom>
+          <a:pattFill prst="dkDnDiag">
+            <a:fgClr>
+              <a:schemeClr val="accent1"/>
+            </a:fgClr>
+            <a:bgClr>
+              <a:schemeClr val="bg1"/>
+            </a:bgClr>
+          </a:pattFill>
+          <a:ln>
+            <a:noFill/>
+          </a:ln>
+        </p:spPr>
+        <p:style>
+          <a:lnRef idx="2">
+            <a:schemeClr val="accent1">
+              <a:shade val="50000"/>
+            </a:schemeClr>
+          </a:lnRef>
+          <a:fillRef idx="1">
+            <a:schemeClr val="accent1"/>
+          </a:fillRef>
+          <a:effectRef idx="0">
+            <a:schemeClr val="accent1"/>
+          </a:effectRef>
+          <a:fontRef idx="minor">
+            <a:schemeClr val="lt1"/>
+          </a:fontRef>
+        </p:style>
+        <p:txBody>
+          <a:bodyPr rtlCol="0" anchor="ctr"/>
+          <a:lstStyle/>
+          <a:p>
+            <a:pPr algn="ctr"/>
+            <a:endParaRPr lang="de-DE" dirty="0"/>
+          </a:p>
+        </p:txBody>
+      </p:sp>
+    </p:spTree>
+    <p:extLst>
+      <p:ext uri="{BB962C8B-B14F-4D97-AF65-F5344CB8AC3E}">
+        <p14:creationId xmlns:p14="http://schemas.microsoft.com/office/powerpoint/2010/main" val="1794346717"/>
+      </p:ext>
+    </p:extLst>
+  </p:cSld>
+  <p:clrMapOvr>
+    <a:masterClrMapping/>
+  </p:clrMapOvr>
+</p:sld>
+</file>
+
+<file path=ppt/slides/slide16.xml><?xml version="1.0" encoding="utf-8"?>
+<p:sld xmlns:a="http://schemas.openxmlformats.org/drawingml/2006/main" xmlns:r="http://schemas.openxmlformats.org/officeDocument/2006/relationships" xmlns:p="http://schemas.openxmlformats.org/presentationml/2006/main">
+  <p:cSld>
+    <p:spTree>
+      <p:nvGrpSpPr>
+        <p:cNvPr id="1" name=""/>
+        <p:cNvGrpSpPr/>
+        <p:nvPr/>
+      </p:nvGrpSpPr>
+      <p:grpSpPr>
+        <a:xfrm>
+          <a:off x="0" y="0"/>
+          <a:ext cx="0" cy="0"/>
+          <a:chOff x="0" y="0"/>
+          <a:chExt cx="0" cy="0"/>
+        </a:xfrm>
+      </p:grpSpPr>
+      <p:pic>
+        <p:nvPicPr>
+          <p:cNvPr id="4" name="Grafik 3"/>
+          <p:cNvPicPr>
+            <a:picLocks noChangeAspect="1"/>
+          </p:cNvPicPr>
+          <p:nvPr/>
+        </p:nvPicPr>
+        <p:blipFill>
+          <a:blip r:embed="rId2"/>
+          <a:stretch>
+            <a:fillRect/>
+          </a:stretch>
+        </p:blipFill>
+        <p:spPr>
+          <a:xfrm>
+            <a:off x="0" y="372341"/>
+            <a:ext cx="12192000" cy="5676510"/>
+          </a:xfrm>
+          <a:prstGeom prst="rect">
+            <a:avLst/>
+          </a:prstGeom>
+        </p:spPr>
+      </p:pic>
+      <p:sp>
+        <p:nvSpPr>
+          <p:cNvPr id="5" name="Rechteck 4"/>
+          <p:cNvSpPr/>
+          <p:nvPr/>
+        </p:nvSpPr>
+        <p:spPr>
+          <a:xfrm>
+            <a:off x="2017595" y="1133193"/>
+            <a:ext cx="2933096" cy="520116"/>
+          </a:xfrm>
+          <a:prstGeom prst="rect">
+            <a:avLst/>
+          </a:prstGeom>
+          <a:pattFill prst="dkDnDiag">
+            <a:fgClr>
+              <a:schemeClr val="accent1"/>
+            </a:fgClr>
+            <a:bgClr>
+              <a:schemeClr val="bg1"/>
+            </a:bgClr>
+          </a:pattFill>
+          <a:ln>
+            <a:noFill/>
+          </a:ln>
+        </p:spPr>
+        <p:style>
+          <a:lnRef idx="2">
+            <a:schemeClr val="accent1">
+              <a:shade val="50000"/>
+            </a:schemeClr>
+          </a:lnRef>
+          <a:fillRef idx="1">
+            <a:schemeClr val="accent1"/>
+          </a:fillRef>
+          <a:effectRef idx="0">
+            <a:schemeClr val="accent1"/>
+          </a:effectRef>
+          <a:fontRef idx="minor">
+            <a:schemeClr val="lt1"/>
+          </a:fontRef>
+        </p:style>
+        <p:txBody>
+          <a:bodyPr rtlCol="0" anchor="ctr"/>
+          <a:lstStyle/>
+          <a:p>
+            <a:pPr algn="ctr"/>
+            <a:endParaRPr lang="de-DE"/>
+          </a:p>
+        </p:txBody>
+      </p:sp>
+    </p:spTree>
+    <p:extLst>
+      <p:ext uri="{BB962C8B-B14F-4D97-AF65-F5344CB8AC3E}">
+        <p14:creationId xmlns:p14="http://schemas.microsoft.com/office/powerpoint/2010/main" val="1229648383"/>
+      </p:ext>
+    </p:extLst>
+  </p:cSld>
+  <p:clrMapOvr>
+    <a:masterClrMapping/>
+  </p:clrMapOvr>
+</p:sld>
+</file>
+
+<file path=ppt/slides/slide17.xml><?xml version="1.0" encoding="utf-8"?>
+<p:sld xmlns:a="http://schemas.openxmlformats.org/drawingml/2006/main" xmlns:r="http://schemas.openxmlformats.org/officeDocument/2006/relationships" xmlns:p="http://schemas.openxmlformats.org/presentationml/2006/main">
+  <p:cSld>
+    <p:spTree>
+      <p:nvGrpSpPr>
+        <p:cNvPr id="1" name=""/>
+        <p:cNvGrpSpPr/>
+        <p:nvPr/>
+      </p:nvGrpSpPr>
+      <p:grpSpPr>
+        <a:xfrm>
+          <a:off x="0" y="0"/>
+          <a:ext cx="0" cy="0"/>
+          <a:chOff x="0" y="0"/>
+          <a:chExt cx="0" cy="0"/>
+        </a:xfrm>
+      </p:grpSpPr>
+      <p:pic>
+        <p:nvPicPr>
+          <p:cNvPr id="5" name="Grafik 4"/>
+          <p:cNvPicPr>
+            <a:picLocks noChangeAspect="1"/>
+          </p:cNvPicPr>
+          <p:nvPr/>
+        </p:nvPicPr>
+        <p:blipFill>
+          <a:blip r:embed="rId2"/>
+          <a:stretch>
+            <a:fillRect/>
+          </a:stretch>
+        </p:blipFill>
+        <p:spPr>
+          <a:xfrm>
+            <a:off x="1524000" y="1213938"/>
+            <a:ext cx="9144000" cy="4468167"/>
+          </a:xfrm>
+          <a:prstGeom prst="rect">
+            <a:avLst/>
+          </a:prstGeom>
+        </p:spPr>
+      </p:pic>
+      <p:sp>
+        <p:nvSpPr>
+          <p:cNvPr id="4" name="Bogen 3"/>
+          <p:cNvSpPr/>
+          <p:nvPr/>
+        </p:nvSpPr>
+        <p:spPr>
+          <a:xfrm rot="7181767" flipV="1">
+            <a:off x="8495073" y="1587044"/>
+            <a:ext cx="1138290" cy="382159"/>
+          </a:xfrm>
+          <a:prstGeom prst="arc">
+            <a:avLst>
+              <a:gd name="adj1" fmla="val 802510"/>
+              <a:gd name="adj2" fmla="val 10139347"/>
+            </a:avLst>
+          </a:prstGeom>
+          <a:ln w="57150">
+            <a:solidFill>
+              <a:srgbClr val="C00000"/>
+            </a:solidFill>
+            <a:headEnd type="triangle"/>
+            <a:tailEnd type="none"/>
+          </a:ln>
+        </p:spPr>
+        <p:style>
+          <a:lnRef idx="1">
+            <a:schemeClr val="accent1"/>
+          </a:lnRef>
+          <a:fillRef idx="0">
+            <a:schemeClr val="accent1"/>
+          </a:fillRef>
+          <a:effectRef idx="0">
+            <a:schemeClr val="accent1"/>
+          </a:effectRef>
+          <a:fontRef idx="minor">
+            <a:schemeClr val="tx1"/>
+          </a:fontRef>
+        </p:style>
+        <p:txBody>
+          <a:bodyPr rtlCol="0" anchor="ctr"/>
+          <a:lstStyle/>
+          <a:p>
+            <a:pPr algn="ctr"/>
+            <a:endParaRPr lang="de-DE"/>
+          </a:p>
+        </p:txBody>
+      </p:sp>
+    </p:spTree>
+    <p:extLst>
+      <p:ext uri="{BB962C8B-B14F-4D97-AF65-F5344CB8AC3E}">
+        <p14:creationId xmlns:p14="http://schemas.microsoft.com/office/powerpoint/2010/main" val="997986424"/>
+      </p:ext>
+    </p:extLst>
+  </p:cSld>
+  <p:clrMapOvr>
+    <a:masterClrMapping/>
+  </p:clrMapOvr>
+</p:sld>
+</file>
+
+<file path=ppt/slides/slide18.xml><?xml version="1.0" encoding="utf-8"?>
+<p:sld xmlns:a="http://schemas.openxmlformats.org/drawingml/2006/main" xmlns:r="http://schemas.openxmlformats.org/officeDocument/2006/relationships" xmlns:p="http://schemas.openxmlformats.org/presentationml/2006/main">
+  <p:cSld>
+    <p:spTree>
+      <p:nvGrpSpPr>
+        <p:cNvPr id="1" name=""/>
+        <p:cNvGrpSpPr/>
+        <p:nvPr/>
+      </p:nvGrpSpPr>
+      <p:grpSpPr>
+        <a:xfrm>
+          <a:off x="0" y="0"/>
+          <a:ext cx="0" cy="0"/>
+          <a:chOff x="0" y="0"/>
+          <a:chExt cx="0" cy="0"/>
+        </a:xfrm>
+      </p:grpSpPr>
+      <p:pic>
+        <p:nvPicPr>
+          <p:cNvPr id="2" name="Grafik 1"/>
+          <p:cNvPicPr>
+            <a:picLocks noChangeAspect="1"/>
+          </p:cNvPicPr>
+          <p:nvPr/>
+        </p:nvPicPr>
+        <p:blipFill>
+          <a:blip r:embed="rId2"/>
+          <a:stretch>
+            <a:fillRect/>
+          </a:stretch>
+        </p:blipFill>
+        <p:spPr>
+          <a:xfrm>
+            <a:off x="1524000" y="1124745"/>
+            <a:ext cx="9144000" cy="4494962"/>
+          </a:xfrm>
+          <a:prstGeom prst="rect">
+            <a:avLst/>
+          </a:prstGeom>
+        </p:spPr>
+      </p:pic>
+      <p:sp>
+        <p:nvSpPr>
+          <p:cNvPr id="3" name="Bogen 2"/>
+          <p:cNvSpPr/>
+          <p:nvPr/>
+        </p:nvSpPr>
+        <p:spPr>
+          <a:xfrm rot="9163918">
+            <a:off x="7248000" y="1332001"/>
+            <a:ext cx="1138290" cy="468977"/>
+          </a:xfrm>
+          <a:prstGeom prst="arc">
+            <a:avLst>
+              <a:gd name="adj1" fmla="val 802510"/>
+              <a:gd name="adj2" fmla="val 8646466"/>
+            </a:avLst>
+          </a:prstGeom>
+          <a:ln w="57150">
+            <a:solidFill>
+              <a:srgbClr val="C00000"/>
+            </a:solidFill>
+            <a:headEnd type="triangle"/>
+            <a:tailEnd type="none"/>
+          </a:ln>
+        </p:spPr>
+        <p:style>
+          <a:lnRef idx="1">
+            <a:schemeClr val="accent1"/>
+          </a:lnRef>
+          <a:fillRef idx="0">
+            <a:schemeClr val="accent1"/>
+          </a:fillRef>
+          <a:effectRef idx="0">
+            <a:schemeClr val="accent1"/>
+          </a:effectRef>
+          <a:fontRef idx="minor">
+            <a:schemeClr val="tx1"/>
+          </a:fontRef>
+        </p:style>
+        <p:txBody>
+          <a:bodyPr rtlCol="0" anchor="ctr"/>
+          <a:lstStyle/>
+          <a:p>
+            <a:pPr algn="ctr"/>
+            <a:endParaRPr lang="de-DE"/>
+          </a:p>
+        </p:txBody>
+      </p:sp>
+    </p:spTree>
+    <p:extLst>
+      <p:ext uri="{BB962C8B-B14F-4D97-AF65-F5344CB8AC3E}">
+        <p14:creationId xmlns:p14="http://schemas.microsoft.com/office/powerpoint/2010/main" val="3706140750"/>
+      </p:ext>
+    </p:extLst>
+  </p:cSld>
+  <p:clrMapOvr>
+    <a:masterClrMapping/>
+  </p:clrMapOvr>
+</p:sld>
+</file>
+
+<file path=ppt/slides/slide19.xml><?xml version="1.0" encoding="utf-8"?>
+<p:sld xmlns:a="http://schemas.openxmlformats.org/drawingml/2006/main" xmlns:r="http://schemas.openxmlformats.org/officeDocument/2006/relationships" xmlns:p="http://schemas.openxmlformats.org/presentationml/2006/main">
+  <p:cSld>
+    <p:spTree>
+      <p:nvGrpSpPr>
+        <p:cNvPr id="1" name=""/>
+        <p:cNvGrpSpPr/>
+        <p:nvPr/>
+      </p:nvGrpSpPr>
+      <p:grpSpPr>
+        <a:xfrm>
+          <a:off x="0" y="0"/>
+          <a:ext cx="0" cy="0"/>
+          <a:chOff x="0" y="0"/>
+          <a:chExt cx="0" cy="0"/>
+        </a:xfrm>
+      </p:grpSpPr>
+      <p:pic>
+        <p:nvPicPr>
+          <p:cNvPr id="3" name="Grafik 2"/>
+          <p:cNvPicPr>
+            <a:picLocks noChangeAspect="1"/>
+          </p:cNvPicPr>
+          <p:nvPr/>
+        </p:nvPicPr>
+        <p:blipFill>
+          <a:blip r:embed="rId2"/>
+          <a:stretch>
+            <a:fillRect/>
+          </a:stretch>
+        </p:blipFill>
+        <p:spPr>
+          <a:xfrm>
+            <a:off x="1524000" y="966641"/>
+            <a:ext cx="9158230" cy="4468411"/>
+          </a:xfrm>
+          <a:prstGeom prst="rect">
+            <a:avLst/>
+          </a:prstGeom>
+        </p:spPr>
+      </p:pic>
+      <p:sp>
+        <p:nvSpPr>
+          <p:cNvPr id="4" name="Bogen 3"/>
+          <p:cNvSpPr/>
+          <p:nvPr/>
+        </p:nvSpPr>
+        <p:spPr>
+          <a:xfrm rot="1010239" flipV="1">
+            <a:off x="1469431" y="1465023"/>
+            <a:ext cx="3725102" cy="1918225"/>
+          </a:xfrm>
+          <a:prstGeom prst="arc">
+            <a:avLst>
+              <a:gd name="adj1" fmla="val 6929776"/>
+              <a:gd name="adj2" fmla="val 8948370"/>
+            </a:avLst>
+          </a:prstGeom>
+          <a:ln w="57150">
+            <a:solidFill>
+              <a:srgbClr val="C00000"/>
+            </a:solidFill>
+            <a:headEnd type="triangle"/>
+            <a:tailEnd type="none"/>
+          </a:ln>
+        </p:spPr>
+        <p:style>
+          <a:lnRef idx="1">
+            <a:schemeClr val="accent1"/>
+          </a:lnRef>
+          <a:fillRef idx="0">
+            <a:schemeClr val="accent1"/>
+          </a:fillRef>
+          <a:effectRef idx="0">
+            <a:schemeClr val="accent1"/>
+          </a:effectRef>
+          <a:fontRef idx="minor">
+            <a:schemeClr val="tx1"/>
+          </a:fontRef>
+        </p:style>
+        <p:txBody>
+          <a:bodyPr rtlCol="0" anchor="ctr"/>
+          <a:lstStyle/>
+          <a:p>
+            <a:pPr algn="ctr"/>
+            <a:endParaRPr lang="de-DE"/>
+          </a:p>
+        </p:txBody>
+      </p:sp>
+    </p:spTree>
+    <p:extLst>
+      <p:ext uri="{BB962C8B-B14F-4D97-AF65-F5344CB8AC3E}">
+        <p14:creationId xmlns:p14="http://schemas.microsoft.com/office/powerpoint/2010/main" val="2292249889"/>
       </p:ext>
     </p:extLst>
   </p:cSld>
@@ -3239,7 +4052,7 @@
       </p:grpSpPr>
       <p:pic>
         <p:nvPicPr>
-          <p:cNvPr id="2" name="Grafik 1"/>
+          <p:cNvPr id="4" name="Grafik 3"/>
           <p:cNvPicPr>
             <a:picLocks noChangeAspect="1"/>
           </p:cNvPicPr>
@@ -3253,8 +4066,8 @@
         </p:blipFill>
         <p:spPr>
           <a:xfrm>
-            <a:off x="1524000" y="1124745"/>
-            <a:ext cx="9144000" cy="4494962"/>
+            <a:off x="0" y="372341"/>
+            <a:ext cx="12192000" cy="5676510"/>
           </a:xfrm>
           <a:prstGeom prst="rect">
             <a:avLst/>
@@ -3263,19 +4076,228 @@
       </p:pic>
       <p:sp>
         <p:nvSpPr>
-          <p:cNvPr id="3" name="Bogen 2"/>
+          <p:cNvPr id="5" name="Rechteck 4"/>
           <p:cNvSpPr/>
           <p:nvPr/>
         </p:nvSpPr>
         <p:spPr>
-          <a:xfrm rot="9163918">
-            <a:off x="7248000" y="1332001"/>
-            <a:ext cx="1138290" cy="468977"/>
+          <a:xfrm>
+            <a:off x="7559822" y="4049219"/>
+            <a:ext cx="1440160" cy="414046"/>
+          </a:xfrm>
+          <a:prstGeom prst="rect">
+            <a:avLst/>
+          </a:prstGeom>
+          <a:solidFill>
+            <a:schemeClr val="bg1"/>
+          </a:solidFill>
+          <a:ln w="12700">
+            <a:solidFill>
+              <a:schemeClr val="tx1"/>
+            </a:solidFill>
+          </a:ln>
+          <a:effectLst>
+            <a:outerShdw blurRad="50800" dist="38100" dir="2700000" algn="tl" rotWithShape="0">
+              <a:prstClr val="black">
+                <a:alpha val="40000"/>
+              </a:prstClr>
+            </a:outerShdw>
+          </a:effectLst>
+        </p:spPr>
+        <p:style>
+          <a:lnRef idx="2">
+            <a:schemeClr val="accent1">
+              <a:shade val="50000"/>
+            </a:schemeClr>
+          </a:lnRef>
+          <a:fillRef idx="1">
+            <a:schemeClr val="accent1"/>
+          </a:fillRef>
+          <a:effectRef idx="0">
+            <a:schemeClr val="accent1"/>
+          </a:effectRef>
+          <a:fontRef idx="minor">
+            <a:schemeClr val="lt1"/>
+          </a:fontRef>
+        </p:style>
+        <p:txBody>
+          <a:bodyPr rtlCol="0" anchor="ctr"/>
+          <a:lstStyle/>
+          <a:p>
+            <a:pPr algn="ctr"/>
+            <a:r>
+              <a:rPr lang="en-US" dirty="0">
+                <a:solidFill>
+                  <a:schemeClr val="tx1"/>
+                </a:solidFill>
+              </a:rPr>
+              <a:t>Task view</a:t>
+            </a:r>
+            <a:endParaRPr lang="de-DE" dirty="0">
+              <a:solidFill>
+                <a:schemeClr val="tx1"/>
+              </a:solidFill>
+            </a:endParaRPr>
+          </a:p>
+        </p:txBody>
+      </p:sp>
+      <p:sp>
+        <p:nvSpPr>
+          <p:cNvPr id="6" name="Rechteck 5"/>
+          <p:cNvSpPr/>
+          <p:nvPr/>
+        </p:nvSpPr>
+        <p:spPr>
+          <a:xfrm>
+            <a:off x="3167334" y="3545163"/>
+            <a:ext cx="1224136" cy="540060"/>
+          </a:xfrm>
+          <a:prstGeom prst="rect">
+            <a:avLst/>
+          </a:prstGeom>
+          <a:solidFill>
+            <a:schemeClr val="bg1"/>
+          </a:solidFill>
+          <a:ln w="12700">
+            <a:solidFill>
+              <a:schemeClr val="tx1"/>
+            </a:solidFill>
+          </a:ln>
+          <a:effectLst>
+            <a:outerShdw blurRad="50800" dist="38100" dir="2700000" algn="tl" rotWithShape="0">
+              <a:prstClr val="black">
+                <a:alpha val="40000"/>
+              </a:prstClr>
+            </a:outerShdw>
+          </a:effectLst>
+        </p:spPr>
+        <p:style>
+          <a:lnRef idx="2">
+            <a:schemeClr val="accent1">
+              <a:shade val="50000"/>
+            </a:schemeClr>
+          </a:lnRef>
+          <a:fillRef idx="1">
+            <a:schemeClr val="accent1"/>
+          </a:fillRef>
+          <a:effectRef idx="0">
+            <a:schemeClr val="accent1"/>
+          </a:effectRef>
+          <a:fontRef idx="minor">
+            <a:schemeClr val="lt1"/>
+          </a:fontRef>
+        </p:style>
+        <p:txBody>
+          <a:bodyPr rtlCol="0" anchor="ctr"/>
+          <a:lstStyle/>
+          <a:p>
+            <a:pPr algn="ctr"/>
+            <a:r>
+              <a:rPr lang="de-DE" dirty="0">
+                <a:solidFill>
+                  <a:schemeClr val="tx1"/>
+                </a:solidFill>
+              </a:rPr>
+              <a:t>Filter </a:t>
+            </a:r>
+            <a:r>
+              <a:rPr lang="de-DE" dirty="0" err="1">
+                <a:solidFill>
+                  <a:schemeClr val="tx1"/>
+                </a:solidFill>
+              </a:rPr>
+              <a:t>results</a:t>
+            </a:r>
+            <a:endParaRPr lang="de-DE" dirty="0">
+              <a:solidFill>
+                <a:schemeClr val="tx1"/>
+              </a:solidFill>
+            </a:endParaRPr>
+          </a:p>
+        </p:txBody>
+      </p:sp>
+      <p:sp>
+        <p:nvSpPr>
+          <p:cNvPr id="7" name="Rechteck 6"/>
+          <p:cNvSpPr/>
+          <p:nvPr/>
+        </p:nvSpPr>
+        <p:spPr>
+          <a:xfrm>
+            <a:off x="521294" y="4031217"/>
+            <a:ext cx="1224136" cy="432048"/>
+          </a:xfrm>
+          <a:prstGeom prst="rect">
+            <a:avLst/>
+          </a:prstGeom>
+          <a:solidFill>
+            <a:schemeClr val="bg1"/>
+          </a:solidFill>
+          <a:ln w="12700">
+            <a:solidFill>
+              <a:schemeClr val="tx1"/>
+            </a:solidFill>
+          </a:ln>
+          <a:effectLst>
+            <a:outerShdw blurRad="50800" dist="38100" dir="2700000" algn="tl" rotWithShape="0">
+              <a:prstClr val="black">
+                <a:alpha val="40000"/>
+              </a:prstClr>
+            </a:outerShdw>
+          </a:effectLst>
+        </p:spPr>
+        <p:style>
+          <a:lnRef idx="2">
+            <a:schemeClr val="accent1">
+              <a:shade val="50000"/>
+            </a:schemeClr>
+          </a:lnRef>
+          <a:fillRef idx="1">
+            <a:schemeClr val="accent1"/>
+          </a:fillRef>
+          <a:effectRef idx="0">
+            <a:schemeClr val="accent1"/>
+          </a:effectRef>
+          <a:fontRef idx="minor">
+            <a:schemeClr val="lt1"/>
+          </a:fontRef>
+        </p:style>
+        <p:txBody>
+          <a:bodyPr rtlCol="0" anchor="ctr"/>
+          <a:lstStyle/>
+          <a:p>
+            <a:pPr algn="ctr"/>
+            <a:r>
+              <a:rPr lang="en-US" dirty="0">
+                <a:solidFill>
+                  <a:schemeClr val="tx1"/>
+                </a:solidFill>
+              </a:rPr>
+              <a:t>Filters</a:t>
+            </a:r>
+            <a:endParaRPr lang="de-DE" dirty="0">
+              <a:solidFill>
+                <a:schemeClr val="tx1"/>
+              </a:solidFill>
+            </a:endParaRPr>
+          </a:p>
+        </p:txBody>
+      </p:sp>
+      <p:sp>
+        <p:nvSpPr>
+          <p:cNvPr id="8" name="Bogen 7"/>
+          <p:cNvSpPr/>
+          <p:nvPr/>
+        </p:nvSpPr>
+        <p:spPr>
+          <a:xfrm rot="14476245">
+            <a:off x="2376647" y="3467093"/>
+            <a:ext cx="2217995" cy="591269"/>
           </a:xfrm>
           <a:prstGeom prst="arc">
             <a:avLst>
-              <a:gd name="adj1" fmla="val 802510"/>
-              <a:gd name="adj2" fmla="val 8646466"/>
+              <a:gd name="adj1" fmla="val 490435"/>
+              <a:gd name="adj2" fmla="val 3746207"/>
             </a:avLst>
           </a:prstGeom>
           <a:ln w="57150">
@@ -3309,10 +4331,1689 @@
           </a:p>
         </p:txBody>
       </p:sp>
+      <p:sp>
+        <p:nvSpPr>
+          <p:cNvPr id="9" name="Bogen 8"/>
+          <p:cNvSpPr/>
+          <p:nvPr/>
+        </p:nvSpPr>
+        <p:spPr>
+          <a:xfrm rot="13246939">
+            <a:off x="6447693" y="3633504"/>
+            <a:ext cx="2217995" cy="494041"/>
+          </a:xfrm>
+          <a:prstGeom prst="arc">
+            <a:avLst>
+              <a:gd name="adj1" fmla="val 480372"/>
+              <a:gd name="adj2" fmla="val 9108758"/>
+            </a:avLst>
+          </a:prstGeom>
+          <a:ln w="57150">
+            <a:solidFill>
+              <a:srgbClr val="C00000"/>
+            </a:solidFill>
+            <a:headEnd type="triangle"/>
+            <a:tailEnd type="none"/>
+          </a:ln>
+        </p:spPr>
+        <p:style>
+          <a:lnRef idx="1">
+            <a:schemeClr val="accent1"/>
+          </a:lnRef>
+          <a:fillRef idx="0">
+            <a:schemeClr val="accent1"/>
+          </a:fillRef>
+          <a:effectRef idx="0">
+            <a:schemeClr val="accent1"/>
+          </a:effectRef>
+          <a:fontRef idx="minor">
+            <a:schemeClr val="tx1"/>
+          </a:fontRef>
+        </p:style>
+        <p:txBody>
+          <a:bodyPr rtlCol="0" anchor="ctr"/>
+          <a:lstStyle/>
+          <a:p>
+            <a:pPr algn="ctr"/>
+            <a:endParaRPr lang="de-DE"/>
+          </a:p>
+        </p:txBody>
+      </p:sp>
+      <p:sp>
+        <p:nvSpPr>
+          <p:cNvPr id="10" name="Bogen 9"/>
+          <p:cNvSpPr/>
+          <p:nvPr/>
+        </p:nvSpPr>
+        <p:spPr>
+          <a:xfrm rot="10369780" flipH="1" flipV="1">
+            <a:off x="-499835" y="1167541"/>
+            <a:ext cx="1767083" cy="3675127"/>
+          </a:xfrm>
+          <a:prstGeom prst="arc">
+            <a:avLst>
+              <a:gd name="adj1" fmla="val 490435"/>
+              <a:gd name="adj2" fmla="val 3413718"/>
+            </a:avLst>
+          </a:prstGeom>
+          <a:ln w="57150">
+            <a:solidFill>
+              <a:srgbClr val="C00000"/>
+            </a:solidFill>
+            <a:headEnd type="triangle"/>
+            <a:tailEnd type="none"/>
+          </a:ln>
+        </p:spPr>
+        <p:style>
+          <a:lnRef idx="1">
+            <a:schemeClr val="accent1"/>
+          </a:lnRef>
+          <a:fillRef idx="0">
+            <a:schemeClr val="accent1"/>
+          </a:fillRef>
+          <a:effectRef idx="0">
+            <a:schemeClr val="accent1"/>
+          </a:effectRef>
+          <a:fontRef idx="minor">
+            <a:schemeClr val="tx1"/>
+          </a:fontRef>
+        </p:style>
+        <p:txBody>
+          <a:bodyPr rtlCol="0" anchor="ctr"/>
+          <a:lstStyle/>
+          <a:p>
+            <a:pPr algn="ctr"/>
+            <a:endParaRPr lang="de-DE"/>
+          </a:p>
+        </p:txBody>
+      </p:sp>
     </p:spTree>
     <p:extLst>
       <p:ext uri="{BB962C8B-B14F-4D97-AF65-F5344CB8AC3E}">
-        <p14:creationId xmlns:p14="http://schemas.microsoft.com/office/powerpoint/2010/main" val="3706140750"/>
+        <p14:creationId xmlns:p14="http://schemas.microsoft.com/office/powerpoint/2010/main" val="2445544543"/>
+      </p:ext>
+    </p:extLst>
+  </p:cSld>
+  <p:clrMapOvr>
+    <a:masterClrMapping/>
+  </p:clrMapOvr>
+</p:sld>
+</file>
+
+<file path=ppt/slides/slide20.xml><?xml version="1.0" encoding="utf-8"?>
+<p:sld xmlns:a="http://schemas.openxmlformats.org/drawingml/2006/main" xmlns:r="http://schemas.openxmlformats.org/officeDocument/2006/relationships" xmlns:p="http://schemas.openxmlformats.org/presentationml/2006/main">
+  <p:cSld>
+    <p:spTree>
+      <p:nvGrpSpPr>
+        <p:cNvPr id="1" name=""/>
+        <p:cNvGrpSpPr/>
+        <p:nvPr/>
+      </p:nvGrpSpPr>
+      <p:grpSpPr>
+        <a:xfrm>
+          <a:off x="0" y="0"/>
+          <a:ext cx="0" cy="0"/>
+          <a:chOff x="0" y="0"/>
+          <a:chExt cx="0" cy="0"/>
+        </a:xfrm>
+      </p:grpSpPr>
+      <p:pic>
+        <p:nvPicPr>
+          <p:cNvPr id="10" name="Grafik 9"/>
+          <p:cNvPicPr>
+            <a:picLocks noChangeAspect="1"/>
+          </p:cNvPicPr>
+          <p:nvPr/>
+        </p:nvPicPr>
+        <p:blipFill>
+          <a:blip r:embed="rId2"/>
+          <a:stretch>
+            <a:fillRect/>
+          </a:stretch>
+        </p:blipFill>
+        <p:spPr>
+          <a:xfrm>
+            <a:off x="1514643" y="836712"/>
+            <a:ext cx="9153357" cy="4523072"/>
+          </a:xfrm>
+          <a:prstGeom prst="rect">
+            <a:avLst/>
+          </a:prstGeom>
+        </p:spPr>
+      </p:pic>
+      <p:sp>
+        <p:nvSpPr>
+          <p:cNvPr id="4" name="Rechteck 3"/>
+          <p:cNvSpPr/>
+          <p:nvPr/>
+        </p:nvSpPr>
+        <p:spPr>
+          <a:xfrm>
+            <a:off x="8760296" y="3392996"/>
+            <a:ext cx="1440160" cy="414046"/>
+          </a:xfrm>
+          <a:prstGeom prst="rect">
+            <a:avLst/>
+          </a:prstGeom>
+          <a:solidFill>
+            <a:schemeClr val="bg1"/>
+          </a:solidFill>
+          <a:ln w="12700">
+            <a:solidFill>
+              <a:schemeClr val="tx1"/>
+            </a:solidFill>
+          </a:ln>
+          <a:effectLst>
+            <a:outerShdw blurRad="50800" dist="38100" dir="2700000" algn="tl" rotWithShape="0">
+              <a:prstClr val="black">
+                <a:alpha val="40000"/>
+              </a:prstClr>
+            </a:outerShdw>
+          </a:effectLst>
+        </p:spPr>
+        <p:style>
+          <a:lnRef idx="2">
+            <a:schemeClr val="accent1">
+              <a:shade val="50000"/>
+            </a:schemeClr>
+          </a:lnRef>
+          <a:fillRef idx="1">
+            <a:schemeClr val="accent1"/>
+          </a:fillRef>
+          <a:effectRef idx="0">
+            <a:schemeClr val="accent1"/>
+          </a:effectRef>
+          <a:fontRef idx="minor">
+            <a:schemeClr val="lt1"/>
+          </a:fontRef>
+        </p:style>
+        <p:txBody>
+          <a:bodyPr rtlCol="0" anchor="ctr"/>
+          <a:lstStyle/>
+          <a:p>
+            <a:pPr algn="ctr"/>
+            <a:r>
+              <a:rPr lang="en-US" dirty="0">
+                <a:solidFill>
+                  <a:schemeClr val="tx1"/>
+                </a:solidFill>
+              </a:rPr>
+              <a:t>Task view</a:t>
+            </a:r>
+            <a:endParaRPr lang="de-DE" dirty="0">
+              <a:solidFill>
+                <a:schemeClr val="tx1"/>
+              </a:solidFill>
+            </a:endParaRPr>
+          </a:p>
+        </p:txBody>
+      </p:sp>
+      <p:sp>
+        <p:nvSpPr>
+          <p:cNvPr id="5" name="Rechteck 4"/>
+          <p:cNvSpPr/>
+          <p:nvPr/>
+        </p:nvSpPr>
+        <p:spPr>
+          <a:xfrm>
+            <a:off x="4367808" y="2888940"/>
+            <a:ext cx="1224136" cy="540060"/>
+          </a:xfrm>
+          <a:prstGeom prst="rect">
+            <a:avLst/>
+          </a:prstGeom>
+          <a:solidFill>
+            <a:schemeClr val="bg1"/>
+          </a:solidFill>
+          <a:ln w="12700">
+            <a:solidFill>
+              <a:schemeClr val="tx1"/>
+            </a:solidFill>
+          </a:ln>
+          <a:effectLst>
+            <a:outerShdw blurRad="50800" dist="38100" dir="2700000" algn="tl" rotWithShape="0">
+              <a:prstClr val="black">
+                <a:alpha val="40000"/>
+              </a:prstClr>
+            </a:outerShdw>
+          </a:effectLst>
+        </p:spPr>
+        <p:style>
+          <a:lnRef idx="2">
+            <a:schemeClr val="accent1">
+              <a:shade val="50000"/>
+            </a:schemeClr>
+          </a:lnRef>
+          <a:fillRef idx="1">
+            <a:schemeClr val="accent1"/>
+          </a:fillRef>
+          <a:effectRef idx="0">
+            <a:schemeClr val="accent1"/>
+          </a:effectRef>
+          <a:fontRef idx="minor">
+            <a:schemeClr val="lt1"/>
+          </a:fontRef>
+        </p:style>
+        <p:txBody>
+          <a:bodyPr rtlCol="0" anchor="ctr"/>
+          <a:lstStyle/>
+          <a:p>
+            <a:pPr algn="ctr"/>
+            <a:r>
+              <a:rPr lang="de-DE" dirty="0">
+                <a:solidFill>
+                  <a:schemeClr val="tx1"/>
+                </a:solidFill>
+              </a:rPr>
+              <a:t>Filter </a:t>
+            </a:r>
+            <a:r>
+              <a:rPr lang="de-DE" dirty="0" err="1">
+                <a:solidFill>
+                  <a:schemeClr val="tx1"/>
+                </a:solidFill>
+              </a:rPr>
+              <a:t>results</a:t>
+            </a:r>
+            <a:endParaRPr lang="de-DE" dirty="0">
+              <a:solidFill>
+                <a:schemeClr val="tx1"/>
+              </a:solidFill>
+            </a:endParaRPr>
+          </a:p>
+        </p:txBody>
+      </p:sp>
+      <p:sp>
+        <p:nvSpPr>
+          <p:cNvPr id="6" name="Rechteck 5"/>
+          <p:cNvSpPr/>
+          <p:nvPr/>
+        </p:nvSpPr>
+        <p:spPr>
+          <a:xfrm>
+            <a:off x="1721768" y="3374994"/>
+            <a:ext cx="1224136" cy="432048"/>
+          </a:xfrm>
+          <a:prstGeom prst="rect">
+            <a:avLst/>
+          </a:prstGeom>
+          <a:solidFill>
+            <a:schemeClr val="bg1"/>
+          </a:solidFill>
+          <a:ln w="12700">
+            <a:solidFill>
+              <a:schemeClr val="tx1"/>
+            </a:solidFill>
+          </a:ln>
+          <a:effectLst>
+            <a:outerShdw blurRad="50800" dist="38100" dir="2700000" algn="tl" rotWithShape="0">
+              <a:prstClr val="black">
+                <a:alpha val="40000"/>
+              </a:prstClr>
+            </a:outerShdw>
+          </a:effectLst>
+        </p:spPr>
+        <p:style>
+          <a:lnRef idx="2">
+            <a:schemeClr val="accent1">
+              <a:shade val="50000"/>
+            </a:schemeClr>
+          </a:lnRef>
+          <a:fillRef idx="1">
+            <a:schemeClr val="accent1"/>
+          </a:fillRef>
+          <a:effectRef idx="0">
+            <a:schemeClr val="accent1"/>
+          </a:effectRef>
+          <a:fontRef idx="minor">
+            <a:schemeClr val="lt1"/>
+          </a:fontRef>
+        </p:style>
+        <p:txBody>
+          <a:bodyPr rtlCol="0" anchor="ctr"/>
+          <a:lstStyle/>
+          <a:p>
+            <a:pPr algn="ctr"/>
+            <a:r>
+              <a:rPr lang="en-US" dirty="0">
+                <a:solidFill>
+                  <a:schemeClr val="tx1"/>
+                </a:solidFill>
+              </a:rPr>
+              <a:t>Filters</a:t>
+            </a:r>
+            <a:endParaRPr lang="de-DE" dirty="0">
+              <a:solidFill>
+                <a:schemeClr val="tx1"/>
+              </a:solidFill>
+            </a:endParaRPr>
+          </a:p>
+        </p:txBody>
+      </p:sp>
+      <p:sp>
+        <p:nvSpPr>
+          <p:cNvPr id="7" name="Bogen 6"/>
+          <p:cNvSpPr/>
+          <p:nvPr/>
+        </p:nvSpPr>
+        <p:spPr>
+          <a:xfrm rot="14476245">
+            <a:off x="3577121" y="2810870"/>
+            <a:ext cx="2217995" cy="591269"/>
+          </a:xfrm>
+          <a:prstGeom prst="arc">
+            <a:avLst>
+              <a:gd name="adj1" fmla="val 490435"/>
+              <a:gd name="adj2" fmla="val 3746207"/>
+            </a:avLst>
+          </a:prstGeom>
+          <a:ln w="57150">
+            <a:solidFill>
+              <a:srgbClr val="C00000"/>
+            </a:solidFill>
+            <a:headEnd type="triangle"/>
+            <a:tailEnd type="none"/>
+          </a:ln>
+        </p:spPr>
+        <p:style>
+          <a:lnRef idx="1">
+            <a:schemeClr val="accent1"/>
+          </a:lnRef>
+          <a:fillRef idx="0">
+            <a:schemeClr val="accent1"/>
+          </a:fillRef>
+          <a:effectRef idx="0">
+            <a:schemeClr val="accent1"/>
+          </a:effectRef>
+          <a:fontRef idx="minor">
+            <a:schemeClr val="tx1"/>
+          </a:fontRef>
+        </p:style>
+        <p:txBody>
+          <a:bodyPr rtlCol="0" anchor="ctr"/>
+          <a:lstStyle/>
+          <a:p>
+            <a:pPr algn="ctr"/>
+            <a:endParaRPr lang="de-DE"/>
+          </a:p>
+        </p:txBody>
+      </p:sp>
+      <p:sp>
+        <p:nvSpPr>
+          <p:cNvPr id="8" name="Bogen 7"/>
+          <p:cNvSpPr/>
+          <p:nvPr/>
+        </p:nvSpPr>
+        <p:spPr>
+          <a:xfrm rot="13246939">
+            <a:off x="7648167" y="2977281"/>
+            <a:ext cx="2217995" cy="494041"/>
+          </a:xfrm>
+          <a:prstGeom prst="arc">
+            <a:avLst>
+              <a:gd name="adj1" fmla="val 480372"/>
+              <a:gd name="adj2" fmla="val 9108758"/>
+            </a:avLst>
+          </a:prstGeom>
+          <a:ln w="57150">
+            <a:solidFill>
+              <a:srgbClr val="C00000"/>
+            </a:solidFill>
+            <a:headEnd type="triangle"/>
+            <a:tailEnd type="none"/>
+          </a:ln>
+        </p:spPr>
+        <p:style>
+          <a:lnRef idx="1">
+            <a:schemeClr val="accent1"/>
+          </a:lnRef>
+          <a:fillRef idx="0">
+            <a:schemeClr val="accent1"/>
+          </a:fillRef>
+          <a:effectRef idx="0">
+            <a:schemeClr val="accent1"/>
+          </a:effectRef>
+          <a:fontRef idx="minor">
+            <a:schemeClr val="tx1"/>
+          </a:fontRef>
+        </p:style>
+        <p:txBody>
+          <a:bodyPr rtlCol="0" anchor="ctr"/>
+          <a:lstStyle/>
+          <a:p>
+            <a:pPr algn="ctr"/>
+            <a:endParaRPr lang="de-DE"/>
+          </a:p>
+        </p:txBody>
+      </p:sp>
+      <p:sp>
+        <p:nvSpPr>
+          <p:cNvPr id="9" name="Bogen 8"/>
+          <p:cNvSpPr/>
+          <p:nvPr/>
+        </p:nvSpPr>
+        <p:spPr>
+          <a:xfrm rot="10369780" flipH="1" flipV="1">
+            <a:off x="700639" y="511318"/>
+            <a:ext cx="1767083" cy="3675127"/>
+          </a:xfrm>
+          <a:prstGeom prst="arc">
+            <a:avLst>
+              <a:gd name="adj1" fmla="val 490435"/>
+              <a:gd name="adj2" fmla="val 3413718"/>
+            </a:avLst>
+          </a:prstGeom>
+          <a:ln w="57150">
+            <a:solidFill>
+              <a:srgbClr val="C00000"/>
+            </a:solidFill>
+            <a:headEnd type="triangle"/>
+            <a:tailEnd type="none"/>
+          </a:ln>
+        </p:spPr>
+        <p:style>
+          <a:lnRef idx="1">
+            <a:schemeClr val="accent1"/>
+          </a:lnRef>
+          <a:fillRef idx="0">
+            <a:schemeClr val="accent1"/>
+          </a:fillRef>
+          <a:effectRef idx="0">
+            <a:schemeClr val="accent1"/>
+          </a:effectRef>
+          <a:fontRef idx="minor">
+            <a:schemeClr val="tx1"/>
+          </a:fontRef>
+        </p:style>
+        <p:txBody>
+          <a:bodyPr rtlCol="0" anchor="ctr"/>
+          <a:lstStyle/>
+          <a:p>
+            <a:pPr algn="ctr"/>
+            <a:endParaRPr lang="de-DE"/>
+          </a:p>
+        </p:txBody>
+      </p:sp>
+    </p:spTree>
+    <p:extLst>
+      <p:ext uri="{BB962C8B-B14F-4D97-AF65-F5344CB8AC3E}">
+        <p14:creationId xmlns:p14="http://schemas.microsoft.com/office/powerpoint/2010/main" val="1199060874"/>
+      </p:ext>
+    </p:extLst>
+  </p:cSld>
+  <p:clrMapOvr>
+    <a:masterClrMapping/>
+  </p:clrMapOvr>
+</p:sld>
+</file>
+
+<file path=ppt/slides/slide21.xml><?xml version="1.0" encoding="utf-8"?>
+<p:sld xmlns:a="http://schemas.openxmlformats.org/drawingml/2006/main" xmlns:r="http://schemas.openxmlformats.org/officeDocument/2006/relationships" xmlns:p="http://schemas.openxmlformats.org/presentationml/2006/main">
+  <p:cSld>
+    <p:spTree>
+      <p:nvGrpSpPr>
+        <p:cNvPr id="1" name=""/>
+        <p:cNvGrpSpPr/>
+        <p:nvPr/>
+      </p:nvGrpSpPr>
+      <p:grpSpPr>
+        <a:xfrm>
+          <a:off x="0" y="0"/>
+          <a:ext cx="0" cy="0"/>
+          <a:chOff x="0" y="0"/>
+          <a:chExt cx="0" cy="0"/>
+        </a:xfrm>
+      </p:grpSpPr>
+      <p:pic>
+        <p:nvPicPr>
+          <p:cNvPr id="2" name="Grafik 1"/>
+          <p:cNvPicPr>
+            <a:picLocks noChangeAspect="1"/>
+          </p:cNvPicPr>
+          <p:nvPr/>
+        </p:nvPicPr>
+        <p:blipFill>
+          <a:blip r:embed="rId2"/>
+          <a:stretch>
+            <a:fillRect/>
+          </a:stretch>
+        </p:blipFill>
+        <p:spPr>
+          <a:xfrm>
+            <a:off x="1524001" y="1124744"/>
+            <a:ext cx="9108649" cy="4294268"/>
+          </a:xfrm>
+          <a:prstGeom prst="rect">
+            <a:avLst/>
+          </a:prstGeom>
+        </p:spPr>
+      </p:pic>
+      <p:pic>
+        <p:nvPicPr>
+          <p:cNvPr id="3" name="Grafik 2"/>
+          <p:cNvPicPr preferRelativeResize="0">
+            <a:picLocks/>
+          </p:cNvPicPr>
+          <p:nvPr/>
+        </p:nvPicPr>
+        <p:blipFill>
+          <a:blip r:embed="rId3"/>
+          <a:stretch>
+            <a:fillRect/>
+          </a:stretch>
+        </p:blipFill>
+        <p:spPr>
+          <a:xfrm>
+            <a:off x="2999656" y="1387012"/>
+            <a:ext cx="2382064" cy="4032000"/>
+          </a:xfrm>
+          <a:prstGeom prst="rect">
+            <a:avLst/>
+          </a:prstGeom>
+          <a:effectLst>
+            <a:outerShdw blurRad="63500" sx="102000" sy="102000" algn="ctr" rotWithShape="0">
+              <a:prstClr val="black">
+                <a:alpha val="40000"/>
+              </a:prstClr>
+            </a:outerShdw>
+          </a:effectLst>
+        </p:spPr>
+      </p:pic>
+    </p:spTree>
+    <p:extLst>
+      <p:ext uri="{BB962C8B-B14F-4D97-AF65-F5344CB8AC3E}">
+        <p14:creationId xmlns:p14="http://schemas.microsoft.com/office/powerpoint/2010/main" val="3966837363"/>
+      </p:ext>
+    </p:extLst>
+  </p:cSld>
+  <p:clrMapOvr>
+    <a:masterClrMapping/>
+  </p:clrMapOvr>
+</p:sld>
+</file>
+
+<file path=ppt/slides/slide22.xml><?xml version="1.0" encoding="utf-8"?>
+<p:sld xmlns:a="http://schemas.openxmlformats.org/drawingml/2006/main" xmlns:r="http://schemas.openxmlformats.org/officeDocument/2006/relationships" xmlns:p="http://schemas.openxmlformats.org/presentationml/2006/main">
+  <p:cSld>
+    <p:spTree>
+      <p:nvGrpSpPr>
+        <p:cNvPr id="1" name=""/>
+        <p:cNvGrpSpPr/>
+        <p:nvPr/>
+      </p:nvGrpSpPr>
+      <p:grpSpPr>
+        <a:xfrm>
+          <a:off x="0" y="0"/>
+          <a:ext cx="0" cy="0"/>
+          <a:chOff x="0" y="0"/>
+          <a:chExt cx="0" cy="0"/>
+        </a:xfrm>
+      </p:grpSpPr>
+      <p:pic>
+        <p:nvPicPr>
+          <p:cNvPr id="2" name="Grafik 1"/>
+          <p:cNvPicPr>
+            <a:picLocks noChangeAspect="1"/>
+          </p:cNvPicPr>
+          <p:nvPr/>
+        </p:nvPicPr>
+        <p:blipFill>
+          <a:blip r:embed="rId2"/>
+          <a:stretch>
+            <a:fillRect/>
+          </a:stretch>
+        </p:blipFill>
+        <p:spPr>
+          <a:xfrm>
+            <a:off x="1524001" y="1124744"/>
+            <a:ext cx="9108649" cy="4294268"/>
+          </a:xfrm>
+          <a:prstGeom prst="rect">
+            <a:avLst/>
+          </a:prstGeom>
+        </p:spPr>
+      </p:pic>
+      <p:pic>
+        <p:nvPicPr>
+          <p:cNvPr id="5" name="Grafik 4"/>
+          <p:cNvPicPr>
+            <a:picLocks noChangeAspect="1"/>
+          </p:cNvPicPr>
+          <p:nvPr/>
+        </p:nvPicPr>
+        <p:blipFill>
+          <a:blip r:embed="rId3"/>
+          <a:stretch>
+            <a:fillRect/>
+          </a:stretch>
+        </p:blipFill>
+        <p:spPr>
+          <a:xfrm>
+            <a:off x="5412001" y="1386000"/>
+            <a:ext cx="5219923" cy="4032000"/>
+          </a:xfrm>
+          <a:prstGeom prst="rect">
+            <a:avLst/>
+          </a:prstGeom>
+          <a:effectLst>
+            <a:outerShdw blurRad="63500" sx="102000" sy="102000" algn="ctr" rotWithShape="0">
+              <a:prstClr val="black">
+                <a:alpha val="40000"/>
+              </a:prstClr>
+            </a:outerShdw>
+          </a:effectLst>
+        </p:spPr>
+      </p:pic>
+    </p:spTree>
+    <p:extLst>
+      <p:ext uri="{BB962C8B-B14F-4D97-AF65-F5344CB8AC3E}">
+        <p14:creationId xmlns:p14="http://schemas.microsoft.com/office/powerpoint/2010/main" val="1376928622"/>
+      </p:ext>
+    </p:extLst>
+  </p:cSld>
+  <p:clrMapOvr>
+    <a:masterClrMapping/>
+  </p:clrMapOvr>
+</p:sld>
+</file>
+
+<file path=ppt/slides/slide23.xml><?xml version="1.0" encoding="utf-8"?>
+<p:sld xmlns:a="http://schemas.openxmlformats.org/drawingml/2006/main" xmlns:r="http://schemas.openxmlformats.org/officeDocument/2006/relationships" xmlns:p="http://schemas.openxmlformats.org/presentationml/2006/main">
+  <p:cSld>
+    <p:spTree>
+      <p:nvGrpSpPr>
+        <p:cNvPr id="1" name=""/>
+        <p:cNvGrpSpPr/>
+        <p:nvPr/>
+      </p:nvGrpSpPr>
+      <p:grpSpPr>
+        <a:xfrm>
+          <a:off x="0" y="0"/>
+          <a:ext cx="0" cy="0"/>
+          <a:chOff x="0" y="0"/>
+          <a:chExt cx="0" cy="0"/>
+        </a:xfrm>
+      </p:grpSpPr>
+      <p:pic>
+        <p:nvPicPr>
+          <p:cNvPr id="2" name="Grafik 1"/>
+          <p:cNvPicPr>
+            <a:picLocks noChangeAspect="1"/>
+          </p:cNvPicPr>
+          <p:nvPr/>
+        </p:nvPicPr>
+        <p:blipFill>
+          <a:blip r:embed="rId2"/>
+          <a:stretch>
+            <a:fillRect/>
+          </a:stretch>
+        </p:blipFill>
+        <p:spPr>
+          <a:xfrm>
+            <a:off x="1524000" y="980728"/>
+            <a:ext cx="9144000" cy="4327848"/>
+          </a:xfrm>
+          <a:prstGeom prst="rect">
+            <a:avLst/>
+          </a:prstGeom>
+        </p:spPr>
+      </p:pic>
+      <p:pic>
+        <p:nvPicPr>
+          <p:cNvPr id="3" name="Grafik 2"/>
+          <p:cNvPicPr>
+            <a:picLocks noChangeAspect="1"/>
+          </p:cNvPicPr>
+          <p:nvPr/>
+        </p:nvPicPr>
+        <p:blipFill>
+          <a:blip r:embed="rId3"/>
+          <a:stretch>
+            <a:fillRect/>
+          </a:stretch>
+        </p:blipFill>
+        <p:spPr>
+          <a:xfrm>
+            <a:off x="3071665" y="1124744"/>
+            <a:ext cx="2221277" cy="437090"/>
+          </a:xfrm>
+          <a:prstGeom prst="rect">
+            <a:avLst/>
+          </a:prstGeom>
+          <a:effectLst>
+            <a:outerShdw blurRad="63500" sx="102000" sy="102000" algn="ctr" rotWithShape="0">
+              <a:prstClr val="black">
+                <a:alpha val="40000"/>
+              </a:prstClr>
+            </a:outerShdw>
+          </a:effectLst>
+        </p:spPr>
+      </p:pic>
+      <p:sp>
+        <p:nvSpPr>
+          <p:cNvPr id="4" name="Rechteck 3"/>
+          <p:cNvSpPr/>
+          <p:nvPr/>
+        </p:nvSpPr>
+        <p:spPr>
+          <a:xfrm>
+            <a:off x="6528048" y="1268760"/>
+            <a:ext cx="1224136" cy="504056"/>
+          </a:xfrm>
+          <a:prstGeom prst="rect">
+            <a:avLst/>
+          </a:prstGeom>
+          <a:solidFill>
+            <a:schemeClr val="bg1"/>
+          </a:solidFill>
+          <a:ln w="12700">
+            <a:solidFill>
+              <a:schemeClr val="tx1"/>
+            </a:solidFill>
+          </a:ln>
+          <a:effectLst>
+            <a:outerShdw blurRad="50800" dist="38100" dir="2700000" algn="tl" rotWithShape="0">
+              <a:prstClr val="black">
+                <a:alpha val="40000"/>
+              </a:prstClr>
+            </a:outerShdw>
+          </a:effectLst>
+        </p:spPr>
+        <p:style>
+          <a:lnRef idx="2">
+            <a:schemeClr val="accent1">
+              <a:shade val="50000"/>
+            </a:schemeClr>
+          </a:lnRef>
+          <a:fillRef idx="1">
+            <a:schemeClr val="accent1"/>
+          </a:fillRef>
+          <a:effectRef idx="0">
+            <a:schemeClr val="accent1"/>
+          </a:effectRef>
+          <a:fontRef idx="minor">
+            <a:schemeClr val="lt1"/>
+          </a:fontRef>
+        </p:style>
+        <p:txBody>
+          <a:bodyPr rtlCol="0" anchor="ctr"/>
+          <a:lstStyle/>
+          <a:p>
+            <a:pPr algn="ctr"/>
+            <a:r>
+              <a:rPr lang="en-US" dirty="0">
+                <a:solidFill>
+                  <a:schemeClr val="tx1"/>
+                </a:solidFill>
+              </a:rPr>
+              <a:t>Variable filter</a:t>
+            </a:r>
+            <a:endParaRPr lang="de-DE" dirty="0">
+              <a:solidFill>
+                <a:schemeClr val="tx1"/>
+              </a:solidFill>
+            </a:endParaRPr>
+          </a:p>
+        </p:txBody>
+      </p:sp>
+      <p:sp>
+        <p:nvSpPr>
+          <p:cNvPr id="5" name="Bogen 4"/>
+          <p:cNvSpPr/>
+          <p:nvPr/>
+        </p:nvSpPr>
+        <p:spPr>
+          <a:xfrm rot="11343930">
+            <a:off x="5173589" y="1377602"/>
+            <a:ext cx="2708921" cy="591269"/>
+          </a:xfrm>
+          <a:prstGeom prst="arc">
+            <a:avLst>
+              <a:gd name="adj1" fmla="val 138306"/>
+              <a:gd name="adj2" fmla="val 4712782"/>
+            </a:avLst>
+          </a:prstGeom>
+          <a:ln w="57150">
+            <a:solidFill>
+              <a:srgbClr val="C00000"/>
+            </a:solidFill>
+            <a:headEnd type="triangle"/>
+            <a:tailEnd type="none"/>
+          </a:ln>
+        </p:spPr>
+        <p:style>
+          <a:lnRef idx="1">
+            <a:schemeClr val="accent1"/>
+          </a:lnRef>
+          <a:fillRef idx="0">
+            <a:schemeClr val="accent1"/>
+          </a:fillRef>
+          <a:effectRef idx="0">
+            <a:schemeClr val="accent1"/>
+          </a:effectRef>
+          <a:fontRef idx="minor">
+            <a:schemeClr val="tx1"/>
+          </a:fontRef>
+        </p:style>
+        <p:txBody>
+          <a:bodyPr rtlCol="0" anchor="ctr"/>
+          <a:lstStyle/>
+          <a:p>
+            <a:pPr algn="ctr"/>
+            <a:endParaRPr lang="de-DE"/>
+          </a:p>
+        </p:txBody>
+      </p:sp>
+      <p:sp>
+        <p:nvSpPr>
+          <p:cNvPr id="6" name="Bogen 5"/>
+          <p:cNvSpPr/>
+          <p:nvPr/>
+        </p:nvSpPr>
+        <p:spPr>
+          <a:xfrm rot="9826904" flipV="1">
+            <a:off x="4944790" y="891882"/>
+            <a:ext cx="3166516" cy="753759"/>
+          </a:xfrm>
+          <a:prstGeom prst="arc">
+            <a:avLst>
+              <a:gd name="adj1" fmla="val 460378"/>
+              <a:gd name="adj2" fmla="val 4285221"/>
+            </a:avLst>
+          </a:prstGeom>
+          <a:ln w="57150">
+            <a:solidFill>
+              <a:srgbClr val="C00000"/>
+            </a:solidFill>
+            <a:headEnd type="triangle"/>
+            <a:tailEnd type="none"/>
+          </a:ln>
+        </p:spPr>
+        <p:style>
+          <a:lnRef idx="1">
+            <a:schemeClr val="accent1"/>
+          </a:lnRef>
+          <a:fillRef idx="0">
+            <a:schemeClr val="accent1"/>
+          </a:fillRef>
+          <a:effectRef idx="0">
+            <a:schemeClr val="accent1"/>
+          </a:effectRef>
+          <a:fontRef idx="minor">
+            <a:schemeClr val="tx1"/>
+          </a:fontRef>
+        </p:style>
+        <p:txBody>
+          <a:bodyPr rtlCol="0" anchor="ctr"/>
+          <a:lstStyle/>
+          <a:p>
+            <a:pPr algn="ctr"/>
+            <a:endParaRPr lang="de-DE"/>
+          </a:p>
+        </p:txBody>
+      </p:sp>
+      <p:sp>
+        <p:nvSpPr>
+          <p:cNvPr id="7" name="Rechteck 6"/>
+          <p:cNvSpPr/>
+          <p:nvPr/>
+        </p:nvSpPr>
+        <p:spPr>
+          <a:xfrm>
+            <a:off x="4079776" y="3717032"/>
+            <a:ext cx="1326662" cy="504056"/>
+          </a:xfrm>
+          <a:prstGeom prst="rect">
+            <a:avLst/>
+          </a:prstGeom>
+          <a:solidFill>
+            <a:schemeClr val="bg1"/>
+          </a:solidFill>
+          <a:ln w="12700">
+            <a:solidFill>
+              <a:schemeClr val="tx1"/>
+            </a:solidFill>
+          </a:ln>
+          <a:effectLst>
+            <a:outerShdw blurRad="50800" dist="38100" dir="2700000" algn="tl" rotWithShape="0">
+              <a:prstClr val="black">
+                <a:alpha val="40000"/>
+              </a:prstClr>
+            </a:outerShdw>
+          </a:effectLst>
+        </p:spPr>
+        <p:style>
+          <a:lnRef idx="2">
+            <a:schemeClr val="accent1">
+              <a:shade val="50000"/>
+            </a:schemeClr>
+          </a:lnRef>
+          <a:fillRef idx="1">
+            <a:schemeClr val="accent1"/>
+          </a:fillRef>
+          <a:effectRef idx="0">
+            <a:schemeClr val="accent1"/>
+          </a:effectRef>
+          <a:fontRef idx="minor">
+            <a:schemeClr val="lt1"/>
+          </a:fontRef>
+        </p:style>
+        <p:txBody>
+          <a:bodyPr rtlCol="0" anchor="ctr"/>
+          <a:lstStyle/>
+          <a:p>
+            <a:pPr algn="ctr"/>
+            <a:r>
+              <a:rPr lang="en-US" dirty="0">
+                <a:solidFill>
+                  <a:schemeClr val="tx1"/>
+                </a:solidFill>
+              </a:rPr>
+              <a:t>Variable filter results</a:t>
+            </a:r>
+            <a:endParaRPr lang="de-DE" dirty="0">
+              <a:solidFill>
+                <a:schemeClr val="tx1"/>
+              </a:solidFill>
+            </a:endParaRPr>
+          </a:p>
+        </p:txBody>
+      </p:sp>
+      <p:sp>
+        <p:nvSpPr>
+          <p:cNvPr id="8" name="Bogen 7"/>
+          <p:cNvSpPr/>
+          <p:nvPr/>
+        </p:nvSpPr>
+        <p:spPr>
+          <a:xfrm rot="16200000" flipV="1">
+            <a:off x="3127109" y="3447112"/>
+            <a:ext cx="3166516" cy="829134"/>
+          </a:xfrm>
+          <a:prstGeom prst="arc">
+            <a:avLst>
+              <a:gd name="adj1" fmla="val 874684"/>
+              <a:gd name="adj2" fmla="val 4086215"/>
+            </a:avLst>
+          </a:prstGeom>
+          <a:ln w="57150">
+            <a:solidFill>
+              <a:srgbClr val="C00000"/>
+            </a:solidFill>
+            <a:headEnd type="triangle"/>
+            <a:tailEnd type="none"/>
+          </a:ln>
+        </p:spPr>
+        <p:style>
+          <a:lnRef idx="1">
+            <a:schemeClr val="accent1"/>
+          </a:lnRef>
+          <a:fillRef idx="0">
+            <a:schemeClr val="accent1"/>
+          </a:fillRef>
+          <a:effectRef idx="0">
+            <a:schemeClr val="accent1"/>
+          </a:effectRef>
+          <a:fontRef idx="minor">
+            <a:schemeClr val="tx1"/>
+          </a:fontRef>
+        </p:style>
+        <p:txBody>
+          <a:bodyPr rtlCol="0" anchor="ctr"/>
+          <a:lstStyle/>
+          <a:p>
+            <a:pPr algn="ctr"/>
+            <a:endParaRPr lang="de-DE"/>
+          </a:p>
+        </p:txBody>
+      </p:sp>
+    </p:spTree>
+    <p:extLst>
+      <p:ext uri="{BB962C8B-B14F-4D97-AF65-F5344CB8AC3E}">
+        <p14:creationId xmlns:p14="http://schemas.microsoft.com/office/powerpoint/2010/main" val="2963860428"/>
+      </p:ext>
+    </p:extLst>
+  </p:cSld>
+  <p:clrMapOvr>
+    <a:masterClrMapping/>
+  </p:clrMapOvr>
+</p:sld>
+</file>
+
+<file path=ppt/slides/slide24.xml><?xml version="1.0" encoding="utf-8"?>
+<p:sld xmlns:a="http://schemas.openxmlformats.org/drawingml/2006/main" xmlns:r="http://schemas.openxmlformats.org/officeDocument/2006/relationships" xmlns:p="http://schemas.openxmlformats.org/presentationml/2006/main">
+  <p:cSld>
+    <p:spTree>
+      <p:nvGrpSpPr>
+        <p:cNvPr id="1" name=""/>
+        <p:cNvGrpSpPr/>
+        <p:nvPr/>
+      </p:nvGrpSpPr>
+      <p:grpSpPr>
+        <a:xfrm>
+          <a:off x="0" y="0"/>
+          <a:ext cx="0" cy="0"/>
+          <a:chOff x="0" y="0"/>
+          <a:chExt cx="0" cy="0"/>
+        </a:xfrm>
+      </p:grpSpPr>
+      <p:pic>
+        <p:nvPicPr>
+          <p:cNvPr id="5" name="Grafik 4"/>
+          <p:cNvPicPr>
+            <a:picLocks noChangeAspect="1"/>
+          </p:cNvPicPr>
+          <p:nvPr/>
+        </p:nvPicPr>
+        <p:blipFill>
+          <a:blip r:embed="rId2"/>
+          <a:stretch>
+            <a:fillRect/>
+          </a:stretch>
+        </p:blipFill>
+        <p:spPr>
+          <a:xfrm>
+            <a:off x="1524001" y="917503"/>
+            <a:ext cx="9128401" cy="4473919"/>
+          </a:xfrm>
+          <a:prstGeom prst="rect">
+            <a:avLst/>
+          </a:prstGeom>
+        </p:spPr>
+      </p:pic>
+      <p:sp>
+        <p:nvSpPr>
+          <p:cNvPr id="3" name="Bogen 2"/>
+          <p:cNvSpPr/>
+          <p:nvPr/>
+        </p:nvSpPr>
+        <p:spPr>
+          <a:xfrm rot="1903219" flipV="1">
+            <a:off x="1219433" y="1599734"/>
+            <a:ext cx="4795925" cy="2808098"/>
+          </a:xfrm>
+          <a:prstGeom prst="arc">
+            <a:avLst>
+              <a:gd name="adj1" fmla="val 8127051"/>
+              <a:gd name="adj2" fmla="val 9574470"/>
+            </a:avLst>
+          </a:prstGeom>
+          <a:ln w="57150">
+            <a:solidFill>
+              <a:srgbClr val="C00000"/>
+            </a:solidFill>
+            <a:headEnd type="triangle"/>
+            <a:tailEnd type="none"/>
+          </a:ln>
+        </p:spPr>
+        <p:style>
+          <a:lnRef idx="1">
+            <a:schemeClr val="accent1"/>
+          </a:lnRef>
+          <a:fillRef idx="0">
+            <a:schemeClr val="accent1"/>
+          </a:fillRef>
+          <a:effectRef idx="0">
+            <a:schemeClr val="accent1"/>
+          </a:effectRef>
+          <a:fontRef idx="minor">
+            <a:schemeClr val="tx1"/>
+          </a:fontRef>
+        </p:style>
+        <p:txBody>
+          <a:bodyPr rtlCol="0" anchor="ctr"/>
+          <a:lstStyle/>
+          <a:p>
+            <a:pPr algn="ctr"/>
+            <a:endParaRPr lang="de-DE"/>
+          </a:p>
+        </p:txBody>
+      </p:sp>
+    </p:spTree>
+    <p:extLst>
+      <p:ext uri="{BB962C8B-B14F-4D97-AF65-F5344CB8AC3E}">
+        <p14:creationId xmlns:p14="http://schemas.microsoft.com/office/powerpoint/2010/main" val="1174747228"/>
+      </p:ext>
+    </p:extLst>
+  </p:cSld>
+  <p:clrMapOvr>
+    <a:masterClrMapping/>
+  </p:clrMapOvr>
+</p:sld>
+</file>
+
+<file path=ppt/slides/slide25.xml><?xml version="1.0" encoding="utf-8"?>
+<p:sld xmlns:a="http://schemas.openxmlformats.org/drawingml/2006/main" xmlns:r="http://schemas.openxmlformats.org/officeDocument/2006/relationships" xmlns:p="http://schemas.openxmlformats.org/presentationml/2006/main">
+  <p:cSld>
+    <p:spTree>
+      <p:nvGrpSpPr>
+        <p:cNvPr id="1" name=""/>
+        <p:cNvGrpSpPr/>
+        <p:nvPr/>
+      </p:nvGrpSpPr>
+      <p:grpSpPr>
+        <a:xfrm>
+          <a:off x="0" y="0"/>
+          <a:ext cx="0" cy="0"/>
+          <a:chOff x="0" y="0"/>
+          <a:chExt cx="0" cy="0"/>
+        </a:xfrm>
+      </p:grpSpPr>
+      <p:pic>
+        <p:nvPicPr>
+          <p:cNvPr id="13" name="Grafik 12"/>
+          <p:cNvPicPr>
+            <a:picLocks noChangeAspect="1"/>
+          </p:cNvPicPr>
+          <p:nvPr/>
+        </p:nvPicPr>
+        <p:blipFill>
+          <a:blip r:embed="rId2"/>
+          <a:stretch>
+            <a:fillRect/>
+          </a:stretch>
+        </p:blipFill>
+        <p:spPr>
+          <a:xfrm>
+            <a:off x="1514643" y="836712"/>
+            <a:ext cx="9153357" cy="4523072"/>
+          </a:xfrm>
+          <a:prstGeom prst="rect">
+            <a:avLst/>
+          </a:prstGeom>
+        </p:spPr>
+      </p:pic>
+      <p:sp>
+        <p:nvSpPr>
+          <p:cNvPr id="11" name="Rechteck 10"/>
+          <p:cNvSpPr/>
+          <p:nvPr/>
+        </p:nvSpPr>
+        <p:spPr>
+          <a:xfrm>
+            <a:off x="3581918" y="2752793"/>
+            <a:ext cx="1289946" cy="504056"/>
+          </a:xfrm>
+          <a:prstGeom prst="rect">
+            <a:avLst/>
+          </a:prstGeom>
+          <a:solidFill>
+            <a:schemeClr val="bg1"/>
+          </a:solidFill>
+          <a:ln w="12700">
+            <a:solidFill>
+              <a:schemeClr val="tx1"/>
+            </a:solidFill>
+          </a:ln>
+          <a:effectLst>
+            <a:outerShdw blurRad="63500" sx="102000" sy="102000" algn="ctr" rotWithShape="0">
+              <a:prstClr val="black">
+                <a:alpha val="40000"/>
+              </a:prstClr>
+            </a:outerShdw>
+          </a:effectLst>
+        </p:spPr>
+        <p:style>
+          <a:lnRef idx="2">
+            <a:schemeClr val="accent1">
+              <a:shade val="50000"/>
+            </a:schemeClr>
+          </a:lnRef>
+          <a:fillRef idx="1">
+            <a:schemeClr val="accent1"/>
+          </a:fillRef>
+          <a:effectRef idx="0">
+            <a:schemeClr val="accent1"/>
+          </a:effectRef>
+          <a:fontRef idx="minor">
+            <a:schemeClr val="lt1"/>
+          </a:fontRef>
+        </p:style>
+        <p:txBody>
+          <a:bodyPr rtlCol="0" anchor="ctr"/>
+          <a:lstStyle/>
+          <a:p>
+            <a:pPr algn="ctr"/>
+            <a:r>
+              <a:rPr lang="en-US" dirty="0">
+                <a:solidFill>
+                  <a:schemeClr val="tx1"/>
+                </a:solidFill>
+              </a:rPr>
+              <a:t>Toggle view</a:t>
+            </a:r>
+            <a:endParaRPr lang="de-DE" dirty="0">
+              <a:solidFill>
+                <a:schemeClr val="tx1"/>
+              </a:solidFill>
+            </a:endParaRPr>
+          </a:p>
+        </p:txBody>
+      </p:sp>
+      <p:sp>
+        <p:nvSpPr>
+          <p:cNvPr id="8" name="Bogen 7"/>
+          <p:cNvSpPr/>
+          <p:nvPr/>
+        </p:nvSpPr>
+        <p:spPr>
+          <a:xfrm rot="14328537">
+            <a:off x="2337056" y="1867918"/>
+            <a:ext cx="2316405" cy="429735"/>
+          </a:xfrm>
+          <a:prstGeom prst="arc">
+            <a:avLst>
+              <a:gd name="adj1" fmla="val 11767317"/>
+              <a:gd name="adj2" fmla="val 21016908"/>
+            </a:avLst>
+          </a:prstGeom>
+          <a:ln w="57150">
+            <a:solidFill>
+              <a:srgbClr val="C00000"/>
+            </a:solidFill>
+            <a:headEnd type="none"/>
+            <a:tailEnd type="triangle"/>
+          </a:ln>
+        </p:spPr>
+        <p:style>
+          <a:lnRef idx="1">
+            <a:schemeClr val="accent1"/>
+          </a:lnRef>
+          <a:fillRef idx="0">
+            <a:schemeClr val="accent1"/>
+          </a:fillRef>
+          <a:effectRef idx="0">
+            <a:schemeClr val="accent1"/>
+          </a:effectRef>
+          <a:fontRef idx="minor">
+            <a:schemeClr val="tx1"/>
+          </a:fontRef>
+        </p:style>
+        <p:txBody>
+          <a:bodyPr rtlCol="0" anchor="ctr"/>
+          <a:lstStyle/>
+          <a:p>
+            <a:pPr algn="ctr"/>
+            <a:endParaRPr lang="de-DE"/>
+          </a:p>
+        </p:txBody>
+      </p:sp>
+      <p:sp>
+        <p:nvSpPr>
+          <p:cNvPr id="9" name="Bogen 8"/>
+          <p:cNvSpPr/>
+          <p:nvPr/>
+        </p:nvSpPr>
+        <p:spPr>
+          <a:xfrm rot="18564995">
+            <a:off x="3606951" y="1938673"/>
+            <a:ext cx="2316405" cy="429735"/>
+          </a:xfrm>
+          <a:prstGeom prst="arc">
+            <a:avLst>
+              <a:gd name="adj1" fmla="val 11380959"/>
+              <a:gd name="adj2" fmla="val 21016908"/>
+            </a:avLst>
+          </a:prstGeom>
+          <a:ln w="57150">
+            <a:solidFill>
+              <a:srgbClr val="C00000"/>
+            </a:solidFill>
+            <a:headEnd type="none"/>
+            <a:tailEnd type="triangle"/>
+          </a:ln>
+        </p:spPr>
+        <p:style>
+          <a:lnRef idx="1">
+            <a:schemeClr val="accent1"/>
+          </a:lnRef>
+          <a:fillRef idx="0">
+            <a:schemeClr val="accent1"/>
+          </a:fillRef>
+          <a:effectRef idx="0">
+            <a:schemeClr val="accent1"/>
+          </a:effectRef>
+          <a:fontRef idx="minor">
+            <a:schemeClr val="tx1"/>
+          </a:fontRef>
+        </p:style>
+        <p:txBody>
+          <a:bodyPr rtlCol="0" anchor="ctr"/>
+          <a:lstStyle/>
+          <a:p>
+            <a:pPr algn="ctr"/>
+            <a:endParaRPr lang="de-DE"/>
+          </a:p>
+        </p:txBody>
+      </p:sp>
+      <p:sp>
+        <p:nvSpPr>
+          <p:cNvPr id="12" name="Bogen 11"/>
+          <p:cNvSpPr/>
+          <p:nvPr/>
+        </p:nvSpPr>
+        <p:spPr>
+          <a:xfrm rot="18564995" flipV="1">
+            <a:off x="3784599" y="1779297"/>
+            <a:ext cx="2316405" cy="330384"/>
+          </a:xfrm>
+          <a:prstGeom prst="arc">
+            <a:avLst>
+              <a:gd name="adj1" fmla="val 11186184"/>
+              <a:gd name="adj2" fmla="val 21016908"/>
+            </a:avLst>
+          </a:prstGeom>
+          <a:ln w="57150">
+            <a:solidFill>
+              <a:srgbClr val="C00000"/>
+            </a:solidFill>
+            <a:headEnd type="none"/>
+            <a:tailEnd type="triangle"/>
+          </a:ln>
+        </p:spPr>
+        <p:style>
+          <a:lnRef idx="1">
+            <a:schemeClr val="accent1"/>
+          </a:lnRef>
+          <a:fillRef idx="0">
+            <a:schemeClr val="accent1"/>
+          </a:fillRef>
+          <a:effectRef idx="0">
+            <a:schemeClr val="accent1"/>
+          </a:effectRef>
+          <a:fontRef idx="minor">
+            <a:schemeClr val="tx1"/>
+          </a:fontRef>
+        </p:style>
+        <p:txBody>
+          <a:bodyPr rtlCol="0" anchor="ctr"/>
+          <a:lstStyle/>
+          <a:p>
+            <a:pPr algn="ctr"/>
+            <a:endParaRPr lang="de-DE"/>
+          </a:p>
+        </p:txBody>
+      </p:sp>
+      <p:sp>
+        <p:nvSpPr>
+          <p:cNvPr id="7" name="Rechteck 6"/>
+          <p:cNvSpPr/>
+          <p:nvPr/>
+        </p:nvSpPr>
+        <p:spPr>
+          <a:xfrm>
+            <a:off x="6917680" y="3022082"/>
+            <a:ext cx="1416745" cy="661279"/>
+          </a:xfrm>
+          <a:prstGeom prst="rect">
+            <a:avLst/>
+          </a:prstGeom>
+          <a:solidFill>
+            <a:schemeClr val="bg1"/>
+          </a:solidFill>
+          <a:ln w="12700">
+            <a:solidFill>
+              <a:schemeClr val="tx1"/>
+            </a:solidFill>
+          </a:ln>
+          <a:effectLst>
+            <a:outerShdw blurRad="63500" sx="102000" sy="102000" algn="ctr" rotWithShape="0">
+              <a:prstClr val="black">
+                <a:alpha val="40000"/>
+              </a:prstClr>
+            </a:outerShdw>
+          </a:effectLst>
+        </p:spPr>
+        <p:style>
+          <a:lnRef idx="2">
+            <a:schemeClr val="accent1">
+              <a:shade val="50000"/>
+            </a:schemeClr>
+          </a:lnRef>
+          <a:fillRef idx="1">
+            <a:schemeClr val="accent1"/>
+          </a:fillRef>
+          <a:effectRef idx="0">
+            <a:schemeClr val="accent1"/>
+          </a:effectRef>
+          <a:fontRef idx="minor">
+            <a:schemeClr val="lt1"/>
+          </a:fontRef>
+        </p:style>
+        <p:txBody>
+          <a:bodyPr rtlCol="0" anchor="ctr"/>
+          <a:lstStyle/>
+          <a:p>
+            <a:pPr algn="ctr"/>
+            <a:r>
+              <a:rPr lang="en-US" dirty="0">
+                <a:solidFill>
+                  <a:schemeClr val="tx1"/>
+                </a:solidFill>
+              </a:rPr>
+              <a:t>Focus on task form</a:t>
+            </a:r>
+            <a:endParaRPr lang="de-DE" dirty="0">
+              <a:solidFill>
+                <a:schemeClr val="tx1"/>
+              </a:solidFill>
+            </a:endParaRPr>
+          </a:p>
+        </p:txBody>
+      </p:sp>
+      <p:sp>
+        <p:nvSpPr>
+          <p:cNvPr id="10" name="Bogen 9"/>
+          <p:cNvSpPr/>
+          <p:nvPr/>
+        </p:nvSpPr>
+        <p:spPr>
+          <a:xfrm rot="14374071">
+            <a:off x="4683027" y="1799074"/>
+            <a:ext cx="3068958" cy="253680"/>
+          </a:xfrm>
+          <a:prstGeom prst="arc">
+            <a:avLst>
+              <a:gd name="adj1" fmla="val 10939583"/>
+              <a:gd name="adj2" fmla="val 21061214"/>
+            </a:avLst>
+          </a:prstGeom>
+          <a:ln w="57150">
+            <a:solidFill>
+              <a:srgbClr val="C00000"/>
+            </a:solidFill>
+            <a:headEnd type="none"/>
+            <a:tailEnd type="triangle"/>
+          </a:ln>
+        </p:spPr>
+        <p:style>
+          <a:lnRef idx="1">
+            <a:schemeClr val="accent1"/>
+          </a:lnRef>
+          <a:fillRef idx="0">
+            <a:schemeClr val="accent1"/>
+          </a:fillRef>
+          <a:effectRef idx="0">
+            <a:schemeClr val="accent1"/>
+          </a:effectRef>
+          <a:fontRef idx="minor">
+            <a:schemeClr val="tx1"/>
+          </a:fontRef>
+        </p:style>
+        <p:txBody>
+          <a:bodyPr rtlCol="0" anchor="ctr"/>
+          <a:lstStyle/>
+          <a:p>
+            <a:pPr algn="ctr"/>
+            <a:endParaRPr lang="de-DE"/>
+          </a:p>
+        </p:txBody>
+      </p:sp>
+    </p:spTree>
+    <p:extLst>
+      <p:ext uri="{BB962C8B-B14F-4D97-AF65-F5344CB8AC3E}">
+        <p14:creationId xmlns:p14="http://schemas.microsoft.com/office/powerpoint/2010/main" val="3224418231"/>
+      </p:ext>
+    </p:extLst>
+  </p:cSld>
+  <p:clrMapOvr>
+    <a:masterClrMapping/>
+  </p:clrMapOvr>
+</p:sld>
+</file>
+
+<file path=ppt/slides/slide26.xml><?xml version="1.0" encoding="utf-8"?>
+<p:sld xmlns:a="http://schemas.openxmlformats.org/drawingml/2006/main" xmlns:r="http://schemas.openxmlformats.org/officeDocument/2006/relationships" xmlns:p="http://schemas.openxmlformats.org/presentationml/2006/main">
+  <p:cSld>
+    <p:spTree>
+      <p:nvGrpSpPr>
+        <p:cNvPr id="1" name=""/>
+        <p:cNvGrpSpPr/>
+        <p:nvPr/>
+      </p:nvGrpSpPr>
+      <p:grpSpPr>
+        <a:xfrm>
+          <a:off x="0" y="0"/>
+          <a:ext cx="0" cy="0"/>
+          <a:chOff x="0" y="0"/>
+          <a:chExt cx="0" cy="0"/>
+        </a:xfrm>
+      </p:grpSpPr>
+      <p:pic>
+        <p:nvPicPr>
+          <p:cNvPr id="2" name="Grafik 1"/>
+          <p:cNvPicPr>
+            <a:picLocks noChangeAspect="1"/>
+          </p:cNvPicPr>
+          <p:nvPr/>
+        </p:nvPicPr>
+        <p:blipFill>
+          <a:blip r:embed="rId2"/>
+          <a:stretch>
+            <a:fillRect/>
+          </a:stretch>
+        </p:blipFill>
+        <p:spPr>
+          <a:xfrm>
+            <a:off x="1514643" y="836712"/>
+            <a:ext cx="9153357" cy="4523072"/>
+          </a:xfrm>
+          <a:prstGeom prst="rect">
+            <a:avLst/>
+          </a:prstGeom>
+        </p:spPr>
+      </p:pic>
+      <p:sp>
+        <p:nvSpPr>
+          <p:cNvPr id="8" name="Rechteck 7"/>
+          <p:cNvSpPr/>
+          <p:nvPr/>
+        </p:nvSpPr>
+        <p:spPr>
+          <a:xfrm>
+            <a:off x="5447928" y="2348880"/>
+            <a:ext cx="2304256" cy="288032"/>
+          </a:xfrm>
+          <a:prstGeom prst="rect">
+            <a:avLst/>
+          </a:prstGeom>
+          <a:noFill/>
+          <a:ln w="12700">
+            <a:solidFill>
+              <a:schemeClr val="tx1"/>
+            </a:solidFill>
+          </a:ln>
+          <a:effectLst>
+            <a:outerShdw blurRad="63500" sx="102000" sy="102000" algn="ctr" rotWithShape="0">
+              <a:prstClr val="black">
+                <a:alpha val="40000"/>
+              </a:prstClr>
+            </a:outerShdw>
+          </a:effectLst>
+        </p:spPr>
+        <p:style>
+          <a:lnRef idx="2">
+            <a:schemeClr val="accent1">
+              <a:shade val="50000"/>
+            </a:schemeClr>
+          </a:lnRef>
+          <a:fillRef idx="1">
+            <a:schemeClr val="accent1"/>
+          </a:fillRef>
+          <a:effectRef idx="0">
+            <a:schemeClr val="accent1"/>
+          </a:effectRef>
+          <a:fontRef idx="minor">
+            <a:schemeClr val="lt1"/>
+          </a:fontRef>
+        </p:style>
+        <p:txBody>
+          <a:bodyPr rtlCol="0" anchor="ctr"/>
+          <a:lstStyle/>
+          <a:p>
+            <a:pPr algn="ctr"/>
+            <a:endParaRPr lang="de-DE"/>
+          </a:p>
+        </p:txBody>
+      </p:sp>
+    </p:spTree>
+    <p:extLst>
+      <p:ext uri="{BB962C8B-B14F-4D97-AF65-F5344CB8AC3E}">
+        <p14:creationId xmlns:p14="http://schemas.microsoft.com/office/powerpoint/2010/main" val="1874420316"/>
+      </p:ext>
+    </p:extLst>
+  </p:cSld>
+  <p:clrMapOvr>
+    <a:masterClrMapping/>
+  </p:clrMapOvr>
+</p:sld>
+</file>
+
+<file path=ppt/slides/slide27.xml><?xml version="1.0" encoding="utf-8"?>
+<p:sld xmlns:a="http://schemas.openxmlformats.org/drawingml/2006/main" xmlns:r="http://schemas.openxmlformats.org/officeDocument/2006/relationships" xmlns:p="http://schemas.openxmlformats.org/presentationml/2006/main">
+  <p:cSld>
+    <p:spTree>
+      <p:nvGrpSpPr>
+        <p:cNvPr id="1" name=""/>
+        <p:cNvGrpSpPr/>
+        <p:nvPr/>
+      </p:nvGrpSpPr>
+      <p:grpSpPr>
+        <a:xfrm>
+          <a:off x="0" y="0"/>
+          <a:ext cx="0" cy="0"/>
+          <a:chOff x="0" y="0"/>
+          <a:chExt cx="0" cy="0"/>
+        </a:xfrm>
+      </p:grpSpPr>
+      <p:pic>
+        <p:nvPicPr>
+          <p:cNvPr id="2" name="Grafik 1"/>
+          <p:cNvPicPr>
+            <a:picLocks noChangeAspect="1"/>
+          </p:cNvPicPr>
+          <p:nvPr/>
+        </p:nvPicPr>
+        <p:blipFill>
+          <a:blip r:embed="rId2"/>
+          <a:stretch>
+            <a:fillRect/>
+          </a:stretch>
+        </p:blipFill>
+        <p:spPr>
+          <a:xfrm>
+            <a:off x="1524000" y="956960"/>
+            <a:ext cx="9144000" cy="4488264"/>
+          </a:xfrm>
+          <a:prstGeom prst="rect">
+            <a:avLst/>
+          </a:prstGeom>
+        </p:spPr>
+      </p:pic>
+    </p:spTree>
+    <p:extLst>
+      <p:ext uri="{BB962C8B-B14F-4D97-AF65-F5344CB8AC3E}">
+        <p14:creationId xmlns:p14="http://schemas.microsoft.com/office/powerpoint/2010/main" val="797570657"/>
       </p:ext>
     </p:extLst>
   </p:cSld>
@@ -3341,7 +6042,7 @@
       </p:grpSpPr>
       <p:pic>
         <p:nvPicPr>
-          <p:cNvPr id="3" name="Grafik 2"/>
+          <p:cNvPr id="5" name="Grafik 4"/>
           <p:cNvPicPr>
             <a:picLocks noChangeAspect="1"/>
           </p:cNvPicPr>
@@ -3355,8 +6056,8 @@
         </p:blipFill>
         <p:spPr>
           <a:xfrm>
-            <a:off x="1524000" y="966641"/>
-            <a:ext cx="9158230" cy="4468411"/>
+            <a:off x="0" y="372341"/>
+            <a:ext cx="12192000" cy="5676510"/>
           </a:xfrm>
           <a:prstGeom prst="rect">
             <a:avLst/>
@@ -3365,27 +6066,94 @@
       </p:pic>
       <p:sp>
         <p:nvSpPr>
-          <p:cNvPr id="4" name="Bogen 3"/>
+          <p:cNvPr id="6" name="Rechteck 5"/>
           <p:cNvSpPr/>
           <p:nvPr/>
         </p:nvSpPr>
         <p:spPr>
-          <a:xfrm rot="1010239" flipV="1">
-            <a:off x="1469431" y="1465023"/>
-            <a:ext cx="3725102" cy="1918225"/>
+          <a:xfrm>
+            <a:off x="3050696" y="2439586"/>
+            <a:ext cx="1200381" cy="473315"/>
+          </a:xfrm>
+          <a:prstGeom prst="rect">
+            <a:avLst/>
+          </a:prstGeom>
+          <a:solidFill>
+            <a:schemeClr val="bg1"/>
+          </a:solidFill>
+          <a:ln w="12700">
+            <a:solidFill>
+              <a:schemeClr val="tx1"/>
+            </a:solidFill>
+          </a:ln>
+          <a:effectLst>
+            <a:outerShdw blurRad="63500" sx="102000" sy="102000" algn="ctr" rotWithShape="0">
+              <a:prstClr val="black">
+                <a:alpha val="40000"/>
+              </a:prstClr>
+            </a:outerShdw>
+          </a:effectLst>
+        </p:spPr>
+        <p:style>
+          <a:lnRef idx="2">
+            <a:schemeClr val="accent1">
+              <a:shade val="50000"/>
+            </a:schemeClr>
+          </a:lnRef>
+          <a:fillRef idx="1">
+            <a:schemeClr val="accent1"/>
+          </a:fillRef>
+          <a:effectRef idx="0">
+            <a:schemeClr val="accent1"/>
+          </a:effectRef>
+          <a:fontRef idx="minor">
+            <a:schemeClr val="lt1"/>
+          </a:fontRef>
+        </p:style>
+        <p:txBody>
+          <a:bodyPr rtlCol="0" anchor="ctr"/>
+          <a:lstStyle/>
+          <a:p>
+            <a:pPr algn="ctr"/>
+            <a:r>
+              <a:rPr lang="en-US" dirty="0">
+                <a:solidFill>
+                  <a:schemeClr val="tx1"/>
+                </a:solidFill>
+              </a:rPr>
+              <a:t>Toggle view</a:t>
+            </a:r>
+            <a:endParaRPr lang="de-DE" dirty="0">
+              <a:solidFill>
+                <a:schemeClr val="tx1"/>
+              </a:solidFill>
+            </a:endParaRPr>
+          </a:p>
+        </p:txBody>
+      </p:sp>
+      <p:sp>
+        <p:nvSpPr>
+          <p:cNvPr id="7" name="Bogen 6"/>
+          <p:cNvSpPr/>
+          <p:nvPr/>
+        </p:nvSpPr>
+        <p:spPr>
+          <a:xfrm rot="13833114" flipV="1">
+            <a:off x="1254417" y="1486630"/>
+            <a:ext cx="2243061" cy="538311"/>
           </a:xfrm>
           <a:prstGeom prst="arc">
             <a:avLst>
-              <a:gd name="adj1" fmla="val 6929776"/>
-              <a:gd name="adj2" fmla="val 8948370"/>
+              <a:gd name="adj1" fmla="val 11319756"/>
+              <a:gd name="adj2" fmla="val 21016908"/>
             </a:avLst>
           </a:prstGeom>
           <a:ln w="57150">
             <a:solidFill>
               <a:srgbClr val="C00000"/>
             </a:solidFill>
-            <a:headEnd type="triangle"/>
-            <a:tailEnd type="none"/>
+            <a:headEnd type="none"/>
+            <a:tailEnd type="triangle"/>
           </a:ln>
         </p:spPr>
         <p:style>
@@ -3411,10 +6179,221 @@
           </a:p>
         </p:txBody>
       </p:sp>
+      <p:sp>
+        <p:nvSpPr>
+          <p:cNvPr id="8" name="Bogen 7"/>
+          <p:cNvSpPr/>
+          <p:nvPr/>
+        </p:nvSpPr>
+        <p:spPr>
+          <a:xfrm rot="19077174">
+            <a:off x="2821566" y="1525630"/>
+            <a:ext cx="3056731" cy="490578"/>
+          </a:xfrm>
+          <a:prstGeom prst="arc">
+            <a:avLst>
+              <a:gd name="adj1" fmla="val 11380959"/>
+              <a:gd name="adj2" fmla="val 21016908"/>
+            </a:avLst>
+          </a:prstGeom>
+          <a:ln w="57150">
+            <a:solidFill>
+              <a:srgbClr val="C00000"/>
+            </a:solidFill>
+            <a:headEnd type="none"/>
+            <a:tailEnd type="triangle"/>
+          </a:ln>
+        </p:spPr>
+        <p:style>
+          <a:lnRef idx="1">
+            <a:schemeClr val="accent1"/>
+          </a:lnRef>
+          <a:fillRef idx="0">
+            <a:schemeClr val="accent1"/>
+          </a:fillRef>
+          <a:effectRef idx="0">
+            <a:schemeClr val="accent1"/>
+          </a:effectRef>
+          <a:fontRef idx="minor">
+            <a:schemeClr val="tx1"/>
+          </a:fontRef>
+        </p:style>
+        <p:txBody>
+          <a:bodyPr rtlCol="0" anchor="ctr"/>
+          <a:lstStyle/>
+          <a:p>
+            <a:pPr algn="ctr"/>
+            <a:endParaRPr lang="de-DE"/>
+          </a:p>
+        </p:txBody>
+      </p:sp>
+      <p:sp>
+        <p:nvSpPr>
+          <p:cNvPr id="9" name="Bogen 8"/>
+          <p:cNvSpPr/>
+          <p:nvPr/>
+        </p:nvSpPr>
+        <p:spPr>
+          <a:xfrm rot="18564995" flipV="1">
+            <a:off x="3383897" y="1423106"/>
+            <a:ext cx="2460203" cy="310234"/>
+          </a:xfrm>
+          <a:prstGeom prst="arc">
+            <a:avLst>
+              <a:gd name="adj1" fmla="val 11166744"/>
+              <a:gd name="adj2" fmla="val 21127156"/>
+            </a:avLst>
+          </a:prstGeom>
+          <a:ln w="57150">
+            <a:solidFill>
+              <a:srgbClr val="C00000"/>
+            </a:solidFill>
+            <a:headEnd type="none"/>
+            <a:tailEnd type="triangle"/>
+          </a:ln>
+        </p:spPr>
+        <p:style>
+          <a:lnRef idx="1">
+            <a:schemeClr val="accent1"/>
+          </a:lnRef>
+          <a:fillRef idx="0">
+            <a:schemeClr val="accent1"/>
+          </a:fillRef>
+          <a:effectRef idx="0">
+            <a:schemeClr val="accent1"/>
+          </a:effectRef>
+          <a:fontRef idx="minor">
+            <a:schemeClr val="tx1"/>
+          </a:fontRef>
+        </p:style>
+        <p:txBody>
+          <a:bodyPr rtlCol="0" anchor="ctr"/>
+          <a:lstStyle/>
+          <a:p>
+            <a:pPr algn="ctr"/>
+            <a:endParaRPr lang="de-DE"/>
+          </a:p>
+        </p:txBody>
+      </p:sp>
+      <p:sp>
+        <p:nvSpPr>
+          <p:cNvPr id="10" name="Rechteck 9"/>
+          <p:cNvSpPr/>
+          <p:nvPr/>
+        </p:nvSpPr>
+        <p:spPr>
+          <a:xfrm>
+            <a:off x="6395264" y="2718464"/>
+            <a:ext cx="1318375" cy="620950"/>
+          </a:xfrm>
+          <a:prstGeom prst="rect">
+            <a:avLst/>
+          </a:prstGeom>
+          <a:solidFill>
+            <a:schemeClr val="bg1"/>
+          </a:solidFill>
+          <a:ln w="12700">
+            <a:solidFill>
+              <a:schemeClr val="tx1"/>
+            </a:solidFill>
+          </a:ln>
+          <a:effectLst>
+            <a:outerShdw blurRad="63500" sx="102000" sy="102000" algn="ctr" rotWithShape="0">
+              <a:prstClr val="black">
+                <a:alpha val="40000"/>
+              </a:prstClr>
+            </a:outerShdw>
+          </a:effectLst>
+        </p:spPr>
+        <p:style>
+          <a:lnRef idx="2">
+            <a:schemeClr val="accent1">
+              <a:shade val="50000"/>
+            </a:schemeClr>
+          </a:lnRef>
+          <a:fillRef idx="1">
+            <a:schemeClr val="accent1"/>
+          </a:fillRef>
+          <a:effectRef idx="0">
+            <a:schemeClr val="accent1"/>
+          </a:effectRef>
+          <a:fontRef idx="minor">
+            <a:schemeClr val="lt1"/>
+          </a:fontRef>
+        </p:style>
+        <p:txBody>
+          <a:bodyPr rtlCol="0" anchor="ctr"/>
+          <a:lstStyle/>
+          <a:p>
+            <a:pPr algn="ctr"/>
+            <a:r>
+              <a:rPr lang="en-US" dirty="0">
+                <a:solidFill>
+                  <a:schemeClr val="tx1"/>
+                </a:solidFill>
+              </a:rPr>
+              <a:t>Focus on task form</a:t>
+            </a:r>
+            <a:endParaRPr lang="de-DE" dirty="0">
+              <a:solidFill>
+                <a:schemeClr val="tx1"/>
+              </a:solidFill>
+            </a:endParaRPr>
+          </a:p>
+        </p:txBody>
+      </p:sp>
+      <p:sp>
+        <p:nvSpPr>
+          <p:cNvPr id="11" name="Bogen 10"/>
+          <p:cNvSpPr/>
+          <p:nvPr/>
+        </p:nvSpPr>
+        <p:spPr>
+          <a:xfrm rot="14374071">
+            <a:off x="4490713" y="1372645"/>
+            <a:ext cx="2881792" cy="236066"/>
+          </a:xfrm>
+          <a:prstGeom prst="arc">
+            <a:avLst>
+              <a:gd name="adj1" fmla="val 10939583"/>
+              <a:gd name="adj2" fmla="val 21061214"/>
+            </a:avLst>
+          </a:prstGeom>
+          <a:ln w="57150">
+            <a:solidFill>
+              <a:srgbClr val="C00000"/>
+            </a:solidFill>
+            <a:headEnd type="none"/>
+            <a:tailEnd type="triangle"/>
+          </a:ln>
+        </p:spPr>
+        <p:style>
+          <a:lnRef idx="1">
+            <a:schemeClr val="accent1"/>
+          </a:lnRef>
+          <a:fillRef idx="0">
+            <a:schemeClr val="accent1"/>
+          </a:fillRef>
+          <a:effectRef idx="0">
+            <a:schemeClr val="accent1"/>
+          </a:effectRef>
+          <a:fontRef idx="minor">
+            <a:schemeClr val="tx1"/>
+          </a:fontRef>
+        </p:style>
+        <p:txBody>
+          <a:bodyPr rtlCol="0" anchor="ctr"/>
+          <a:lstStyle/>
+          <a:p>
+            <a:pPr algn="ctr"/>
+            <a:endParaRPr lang="de-DE"/>
+          </a:p>
+        </p:txBody>
+      </p:sp>
     </p:spTree>
     <p:extLst>
       <p:ext uri="{BB962C8B-B14F-4D97-AF65-F5344CB8AC3E}">
-        <p14:creationId xmlns:p14="http://schemas.microsoft.com/office/powerpoint/2010/main" val="2292249889"/>
+        <p14:creationId xmlns:p14="http://schemas.microsoft.com/office/powerpoint/2010/main" val="2094217682"/>
       </p:ext>
     </p:extLst>
   </p:cSld>
@@ -3443,7 +6422,7 @@
       </p:grpSpPr>
       <p:pic>
         <p:nvPicPr>
-          <p:cNvPr id="10" name="Grafik 9"/>
+          <p:cNvPr id="4" name="Grafik 3"/>
           <p:cNvPicPr>
             <a:picLocks noChangeAspect="1"/>
           </p:cNvPicPr>
@@ -3457,8 +6436,8 @@
         </p:blipFill>
         <p:spPr>
           <a:xfrm>
-            <a:off x="1514643" y="836712"/>
-            <a:ext cx="9153357" cy="4523072"/>
+            <a:off x="0" y="362815"/>
+            <a:ext cx="12191999" cy="5698531"/>
           </a:xfrm>
           <a:prstGeom prst="rect">
             <a:avLst/>
@@ -3467,228 +6446,19 @@
       </p:pic>
       <p:sp>
         <p:nvSpPr>
-          <p:cNvPr id="4" name="Rechteck 3"/>
+          <p:cNvPr id="5" name="Bogen 4"/>
           <p:cNvSpPr/>
           <p:nvPr/>
         </p:nvSpPr>
         <p:spPr>
-          <a:xfrm>
-            <a:off x="8760296" y="3392996"/>
-            <a:ext cx="1440160" cy="414046"/>
-          </a:xfrm>
-          <a:prstGeom prst="rect">
-            <a:avLst/>
-          </a:prstGeom>
-          <a:solidFill>
-            <a:schemeClr val="bg1"/>
-          </a:solidFill>
-          <a:ln w="12700">
-            <a:solidFill>
-              <a:schemeClr val="tx1"/>
-            </a:solidFill>
-          </a:ln>
-          <a:effectLst>
-            <a:outerShdw blurRad="50800" dist="38100" dir="2700000" algn="tl" rotWithShape="0">
-              <a:prstClr val="black">
-                <a:alpha val="40000"/>
-              </a:prstClr>
-            </a:outerShdw>
-          </a:effectLst>
-        </p:spPr>
-        <p:style>
-          <a:lnRef idx="2">
-            <a:schemeClr val="accent1">
-              <a:shade val="50000"/>
-            </a:schemeClr>
-          </a:lnRef>
-          <a:fillRef idx="1">
-            <a:schemeClr val="accent1"/>
-          </a:fillRef>
-          <a:effectRef idx="0">
-            <a:schemeClr val="accent1"/>
-          </a:effectRef>
-          <a:fontRef idx="minor">
-            <a:schemeClr val="lt1"/>
-          </a:fontRef>
-        </p:style>
-        <p:txBody>
-          <a:bodyPr rtlCol="0" anchor="ctr"/>
-          <a:lstStyle/>
-          <a:p>
-            <a:pPr algn="ctr"/>
-            <a:r>
-              <a:rPr lang="en-US" dirty="0">
-                <a:solidFill>
-                  <a:schemeClr val="tx1"/>
-                </a:solidFill>
-              </a:rPr>
-              <a:t>Task view</a:t>
-            </a:r>
-            <a:endParaRPr lang="de-DE" dirty="0">
-              <a:solidFill>
-                <a:schemeClr val="tx1"/>
-              </a:solidFill>
-            </a:endParaRPr>
-          </a:p>
-        </p:txBody>
-      </p:sp>
-      <p:sp>
-        <p:nvSpPr>
-          <p:cNvPr id="5" name="Rechteck 4"/>
-          <p:cNvSpPr/>
-          <p:nvPr/>
-        </p:nvSpPr>
-        <p:spPr>
-          <a:xfrm>
-            <a:off x="4367808" y="2888940"/>
-            <a:ext cx="1224136" cy="540060"/>
-          </a:xfrm>
-          <a:prstGeom prst="rect">
-            <a:avLst/>
-          </a:prstGeom>
-          <a:solidFill>
-            <a:schemeClr val="bg1"/>
-          </a:solidFill>
-          <a:ln w="12700">
-            <a:solidFill>
-              <a:schemeClr val="tx1"/>
-            </a:solidFill>
-          </a:ln>
-          <a:effectLst>
-            <a:outerShdw blurRad="50800" dist="38100" dir="2700000" algn="tl" rotWithShape="0">
-              <a:prstClr val="black">
-                <a:alpha val="40000"/>
-              </a:prstClr>
-            </a:outerShdw>
-          </a:effectLst>
-        </p:spPr>
-        <p:style>
-          <a:lnRef idx="2">
-            <a:schemeClr val="accent1">
-              <a:shade val="50000"/>
-            </a:schemeClr>
-          </a:lnRef>
-          <a:fillRef idx="1">
-            <a:schemeClr val="accent1"/>
-          </a:fillRef>
-          <a:effectRef idx="0">
-            <a:schemeClr val="accent1"/>
-          </a:effectRef>
-          <a:fontRef idx="minor">
-            <a:schemeClr val="lt1"/>
-          </a:fontRef>
-        </p:style>
-        <p:txBody>
-          <a:bodyPr rtlCol="0" anchor="ctr"/>
-          <a:lstStyle/>
-          <a:p>
-            <a:pPr algn="ctr"/>
-            <a:r>
-              <a:rPr lang="de-DE" dirty="0">
-                <a:solidFill>
-                  <a:schemeClr val="tx1"/>
-                </a:solidFill>
-              </a:rPr>
-              <a:t>Filter </a:t>
-            </a:r>
-            <a:r>
-              <a:rPr lang="de-DE" dirty="0" err="1">
-                <a:solidFill>
-                  <a:schemeClr val="tx1"/>
-                </a:solidFill>
-              </a:rPr>
-              <a:t>results</a:t>
-            </a:r>
-            <a:endParaRPr lang="de-DE" dirty="0">
-              <a:solidFill>
-                <a:schemeClr val="tx1"/>
-              </a:solidFill>
-            </a:endParaRPr>
-          </a:p>
-        </p:txBody>
-      </p:sp>
-      <p:sp>
-        <p:nvSpPr>
-          <p:cNvPr id="6" name="Rechteck 5"/>
-          <p:cNvSpPr/>
-          <p:nvPr/>
-        </p:nvSpPr>
-        <p:spPr>
-          <a:xfrm>
-            <a:off x="1721768" y="3374994"/>
-            <a:ext cx="1224136" cy="432048"/>
-          </a:xfrm>
-          <a:prstGeom prst="rect">
-            <a:avLst/>
-          </a:prstGeom>
-          <a:solidFill>
-            <a:schemeClr val="bg1"/>
-          </a:solidFill>
-          <a:ln w="12700">
-            <a:solidFill>
-              <a:schemeClr val="tx1"/>
-            </a:solidFill>
-          </a:ln>
-          <a:effectLst>
-            <a:outerShdw blurRad="50800" dist="38100" dir="2700000" algn="tl" rotWithShape="0">
-              <a:prstClr val="black">
-                <a:alpha val="40000"/>
-              </a:prstClr>
-            </a:outerShdw>
-          </a:effectLst>
-        </p:spPr>
-        <p:style>
-          <a:lnRef idx="2">
-            <a:schemeClr val="accent1">
-              <a:shade val="50000"/>
-            </a:schemeClr>
-          </a:lnRef>
-          <a:fillRef idx="1">
-            <a:schemeClr val="accent1"/>
-          </a:fillRef>
-          <a:effectRef idx="0">
-            <a:schemeClr val="accent1"/>
-          </a:effectRef>
-          <a:fontRef idx="minor">
-            <a:schemeClr val="lt1"/>
-          </a:fontRef>
-        </p:style>
-        <p:txBody>
-          <a:bodyPr rtlCol="0" anchor="ctr"/>
-          <a:lstStyle/>
-          <a:p>
-            <a:pPr algn="ctr"/>
-            <a:r>
-              <a:rPr lang="en-US" dirty="0">
-                <a:solidFill>
-                  <a:schemeClr val="tx1"/>
-                </a:solidFill>
-              </a:rPr>
-              <a:t>Filters</a:t>
-            </a:r>
-            <a:endParaRPr lang="de-DE" dirty="0">
-              <a:solidFill>
-                <a:schemeClr val="tx1"/>
-              </a:solidFill>
-            </a:endParaRPr>
-          </a:p>
-        </p:txBody>
-      </p:sp>
-      <p:sp>
-        <p:nvSpPr>
-          <p:cNvPr id="7" name="Bogen 6"/>
-          <p:cNvSpPr/>
-          <p:nvPr/>
-        </p:nvSpPr>
-        <p:spPr>
-          <a:xfrm rot="14476245">
-            <a:off x="3577121" y="2810870"/>
-            <a:ext cx="2217995" cy="591269"/>
+          <a:xfrm rot="7619327" flipV="1">
+            <a:off x="8744475" y="547610"/>
+            <a:ext cx="2217995" cy="770780"/>
           </a:xfrm>
           <a:prstGeom prst="arc">
             <a:avLst>
-              <a:gd name="adj1" fmla="val 490435"/>
-              <a:gd name="adj2" fmla="val 3746207"/>
+              <a:gd name="adj1" fmla="val 480372"/>
+              <a:gd name="adj2" fmla="val 9108758"/>
             </a:avLst>
           </a:prstGeom>
           <a:ln w="57150">
@@ -3722,106 +6492,10 @@
           </a:p>
         </p:txBody>
       </p:sp>
-      <p:sp>
-        <p:nvSpPr>
-          <p:cNvPr id="8" name="Bogen 7"/>
-          <p:cNvSpPr/>
-          <p:nvPr/>
-        </p:nvSpPr>
-        <p:spPr>
-          <a:xfrm rot="13246939">
-            <a:off x="7648167" y="2977281"/>
-            <a:ext cx="2217995" cy="494041"/>
-          </a:xfrm>
-          <a:prstGeom prst="arc">
-            <a:avLst>
-              <a:gd name="adj1" fmla="val 480372"/>
-              <a:gd name="adj2" fmla="val 9108758"/>
-            </a:avLst>
-          </a:prstGeom>
-          <a:ln w="57150">
-            <a:solidFill>
-              <a:srgbClr val="C00000"/>
-            </a:solidFill>
-            <a:headEnd type="triangle"/>
-            <a:tailEnd type="none"/>
-          </a:ln>
-        </p:spPr>
-        <p:style>
-          <a:lnRef idx="1">
-            <a:schemeClr val="accent1"/>
-          </a:lnRef>
-          <a:fillRef idx="0">
-            <a:schemeClr val="accent1"/>
-          </a:fillRef>
-          <a:effectRef idx="0">
-            <a:schemeClr val="accent1"/>
-          </a:effectRef>
-          <a:fontRef idx="minor">
-            <a:schemeClr val="tx1"/>
-          </a:fontRef>
-        </p:style>
-        <p:txBody>
-          <a:bodyPr rtlCol="0" anchor="ctr"/>
-          <a:lstStyle/>
-          <a:p>
-            <a:pPr algn="ctr"/>
-            <a:endParaRPr lang="de-DE"/>
-          </a:p>
-        </p:txBody>
-      </p:sp>
-      <p:sp>
-        <p:nvSpPr>
-          <p:cNvPr id="9" name="Bogen 8"/>
-          <p:cNvSpPr/>
-          <p:nvPr/>
-        </p:nvSpPr>
-        <p:spPr>
-          <a:xfrm rot="10369780" flipH="1" flipV="1">
-            <a:off x="700639" y="511318"/>
-            <a:ext cx="1767083" cy="3675127"/>
-          </a:xfrm>
-          <a:prstGeom prst="arc">
-            <a:avLst>
-              <a:gd name="adj1" fmla="val 490435"/>
-              <a:gd name="adj2" fmla="val 3413718"/>
-            </a:avLst>
-          </a:prstGeom>
-          <a:ln w="57150">
-            <a:solidFill>
-              <a:srgbClr val="C00000"/>
-            </a:solidFill>
-            <a:headEnd type="triangle"/>
-            <a:tailEnd type="none"/>
-          </a:ln>
-        </p:spPr>
-        <p:style>
-          <a:lnRef idx="1">
-            <a:schemeClr val="accent1"/>
-          </a:lnRef>
-          <a:fillRef idx="0">
-            <a:schemeClr val="accent1"/>
-          </a:fillRef>
-          <a:effectRef idx="0">
-            <a:schemeClr val="accent1"/>
-          </a:effectRef>
-          <a:fontRef idx="minor">
-            <a:schemeClr val="tx1"/>
-          </a:fontRef>
-        </p:style>
-        <p:txBody>
-          <a:bodyPr rtlCol="0" anchor="ctr"/>
-          <a:lstStyle/>
-          <a:p>
-            <a:pPr algn="ctr"/>
-            <a:endParaRPr lang="de-DE"/>
-          </a:p>
-        </p:txBody>
-      </p:sp>
     </p:spTree>
     <p:extLst>
       <p:ext uri="{BB962C8B-B14F-4D97-AF65-F5344CB8AC3E}">
-        <p14:creationId xmlns:p14="http://schemas.microsoft.com/office/powerpoint/2010/main" val="1199060874"/>
+        <p14:creationId xmlns:p14="http://schemas.microsoft.com/office/powerpoint/2010/main" val="3909856490"/>
       </p:ext>
     </p:extLst>
   </p:cSld>
@@ -3850,7 +6524,7 @@
       </p:grpSpPr>
       <p:pic>
         <p:nvPicPr>
-          <p:cNvPr id="2" name="Grafik 1"/>
+          <p:cNvPr id="6" name="Grafik 5"/>
           <p:cNvPicPr>
             <a:picLocks noChangeAspect="1"/>
           </p:cNvPicPr>
@@ -3864,49 +6538,66 @@
         </p:blipFill>
         <p:spPr>
           <a:xfrm>
-            <a:off x="1524001" y="1124744"/>
-            <a:ext cx="9108649" cy="4294268"/>
+            <a:off x="0" y="372918"/>
+            <a:ext cx="12176696" cy="5641988"/>
           </a:xfrm>
           <a:prstGeom prst="rect">
             <a:avLst/>
           </a:prstGeom>
         </p:spPr>
       </p:pic>
-      <p:pic>
-        <p:nvPicPr>
-          <p:cNvPr id="3" name="Grafik 2"/>
-          <p:cNvPicPr preferRelativeResize="0">
-            <a:picLocks/>
-          </p:cNvPicPr>
-          <p:nvPr/>
-        </p:nvPicPr>
-        <p:blipFill>
-          <a:blip r:embed="rId3"/>
-          <a:stretch>
-            <a:fillRect/>
-          </a:stretch>
-        </p:blipFill>
-        <p:spPr>
-          <a:xfrm>
-            <a:off x="2999656" y="1387012"/>
-            <a:ext cx="2382064" cy="4032000"/>
-          </a:xfrm>
-          <a:prstGeom prst="rect">
-            <a:avLst/>
-          </a:prstGeom>
-          <a:effectLst>
-            <a:outerShdw blurRad="63500" sx="102000" sy="102000" algn="ctr" rotWithShape="0">
-              <a:prstClr val="black">
-                <a:alpha val="40000"/>
-              </a:prstClr>
-            </a:outerShdw>
-          </a:effectLst>
-        </p:spPr>
-      </p:pic>
+      <p:sp>
+        <p:nvSpPr>
+          <p:cNvPr id="5" name="Bogen 4"/>
+          <p:cNvSpPr/>
+          <p:nvPr/>
+        </p:nvSpPr>
+        <p:spPr>
+          <a:xfrm rot="7619327">
+            <a:off x="7815397" y="891100"/>
+            <a:ext cx="2217995" cy="988400"/>
+          </a:xfrm>
+          <a:prstGeom prst="arc">
+            <a:avLst>
+              <a:gd name="adj1" fmla="val 3848471"/>
+              <a:gd name="adj2" fmla="val 9108758"/>
+            </a:avLst>
+          </a:prstGeom>
+          <a:ln w="57150">
+            <a:solidFill>
+              <a:srgbClr val="C00000"/>
+            </a:solidFill>
+            <a:headEnd type="triangle"/>
+            <a:tailEnd type="none"/>
+          </a:ln>
+        </p:spPr>
+        <p:style>
+          <a:lnRef idx="1">
+            <a:schemeClr val="accent1"/>
+          </a:lnRef>
+          <a:fillRef idx="0">
+            <a:schemeClr val="accent1"/>
+          </a:fillRef>
+          <a:effectRef idx="0">
+            <a:schemeClr val="accent1"/>
+          </a:effectRef>
+          <a:fontRef idx="minor">
+            <a:schemeClr val="tx1"/>
+          </a:fontRef>
+        </p:style>
+        <p:txBody>
+          <a:bodyPr rtlCol="0" anchor="ctr"/>
+          <a:lstStyle/>
+          <a:p>
+            <a:pPr algn="ctr"/>
+            <a:endParaRPr lang="de-DE"/>
+          </a:p>
+        </p:txBody>
+      </p:sp>
     </p:spTree>
     <p:extLst>
       <p:ext uri="{BB962C8B-B14F-4D97-AF65-F5344CB8AC3E}">
-        <p14:creationId xmlns:p14="http://schemas.microsoft.com/office/powerpoint/2010/main" val="3966837363"/>
+        <p14:creationId xmlns:p14="http://schemas.microsoft.com/office/powerpoint/2010/main" val="1196813522"/>
       </p:ext>
     </p:extLst>
   </p:cSld>
@@ -3935,7 +6626,7 @@
       </p:grpSpPr>
       <p:pic>
         <p:nvPicPr>
-          <p:cNvPr id="2" name="Grafik 1"/>
+          <p:cNvPr id="4" name="Grafik 3"/>
           <p:cNvPicPr>
             <a:picLocks noChangeAspect="1"/>
           </p:cNvPicPr>
@@ -3949,8 +6640,8 @@
         </p:blipFill>
         <p:spPr>
           <a:xfrm>
-            <a:off x="1524001" y="1124744"/>
-            <a:ext cx="9108649" cy="4294268"/>
+            <a:off x="0" y="372341"/>
+            <a:ext cx="12192000" cy="5676510"/>
           </a:xfrm>
           <a:prstGeom prst="rect">
             <a:avLst/>
@@ -3959,7 +6650,7 @@
       </p:pic>
       <p:pic>
         <p:nvPicPr>
-          <p:cNvPr id="5" name="Grafik 4"/>
+          <p:cNvPr id="7" name="Grafik 6"/>
           <p:cNvPicPr>
             <a:picLocks noChangeAspect="1"/>
           </p:cNvPicPr>
@@ -3973,8 +6664,8 @@
         </p:blipFill>
         <p:spPr>
           <a:xfrm>
-            <a:off x="5412001" y="1386000"/>
-            <a:ext cx="5219923" cy="4032000"/>
+            <a:off x="1965362" y="748800"/>
+            <a:ext cx="3235812" cy="5289630"/>
           </a:xfrm>
           <a:prstGeom prst="rect">
             <a:avLst/>
@@ -3991,7 +6682,7 @@
     </p:spTree>
     <p:extLst>
       <p:ext uri="{BB962C8B-B14F-4D97-AF65-F5344CB8AC3E}">
-        <p14:creationId xmlns:p14="http://schemas.microsoft.com/office/powerpoint/2010/main" val="1376928622"/>
+        <p14:creationId xmlns:p14="http://schemas.microsoft.com/office/powerpoint/2010/main" val="2550182733"/>
       </p:ext>
     </p:extLst>
   </p:cSld>
@@ -4020,7 +6711,7 @@
       </p:grpSpPr>
       <p:pic>
         <p:nvPicPr>
-          <p:cNvPr id="2" name="Grafik 1"/>
+          <p:cNvPr id="4" name="Grafik 3"/>
           <p:cNvPicPr>
             <a:picLocks noChangeAspect="1"/>
           </p:cNvPicPr>
@@ -4034,327 +6725,18 @@
         </p:blipFill>
         <p:spPr>
           <a:xfrm>
-            <a:off x="1524000" y="980728"/>
-            <a:ext cx="9144000" cy="4327848"/>
+            <a:off x="0" y="361833"/>
+            <a:ext cx="12192000" cy="5685435"/>
           </a:xfrm>
           <a:prstGeom prst="rect">
             <a:avLst/>
           </a:prstGeom>
         </p:spPr>
       </p:pic>
-      <p:pic>
-        <p:nvPicPr>
-          <p:cNvPr id="3" name="Grafik 2"/>
-          <p:cNvPicPr>
-            <a:picLocks noChangeAspect="1"/>
-          </p:cNvPicPr>
-          <p:nvPr/>
-        </p:nvPicPr>
-        <p:blipFill>
-          <a:blip r:embed="rId3"/>
-          <a:stretch>
-            <a:fillRect/>
-          </a:stretch>
-        </p:blipFill>
-        <p:spPr>
-          <a:xfrm>
-            <a:off x="3071665" y="1124744"/>
-            <a:ext cx="2221277" cy="437090"/>
-          </a:xfrm>
-          <a:prstGeom prst="rect">
-            <a:avLst/>
-          </a:prstGeom>
-          <a:effectLst>
-            <a:outerShdw blurRad="63500" sx="102000" sy="102000" algn="ctr" rotWithShape="0">
-              <a:prstClr val="black">
-                <a:alpha val="40000"/>
-              </a:prstClr>
-            </a:outerShdw>
-          </a:effectLst>
-        </p:spPr>
-      </p:pic>
-      <p:sp>
-        <p:nvSpPr>
-          <p:cNvPr id="4" name="Rechteck 3"/>
-          <p:cNvSpPr/>
-          <p:nvPr/>
-        </p:nvSpPr>
-        <p:spPr>
-          <a:xfrm>
-            <a:off x="6528048" y="1268760"/>
-            <a:ext cx="1224136" cy="504056"/>
-          </a:xfrm>
-          <a:prstGeom prst="rect">
-            <a:avLst/>
-          </a:prstGeom>
-          <a:solidFill>
-            <a:schemeClr val="bg1"/>
-          </a:solidFill>
-          <a:ln w="12700">
-            <a:solidFill>
-              <a:schemeClr val="tx1"/>
-            </a:solidFill>
-          </a:ln>
-          <a:effectLst>
-            <a:outerShdw blurRad="50800" dist="38100" dir="2700000" algn="tl" rotWithShape="0">
-              <a:prstClr val="black">
-                <a:alpha val="40000"/>
-              </a:prstClr>
-            </a:outerShdw>
-          </a:effectLst>
-        </p:spPr>
-        <p:style>
-          <a:lnRef idx="2">
-            <a:schemeClr val="accent1">
-              <a:shade val="50000"/>
-            </a:schemeClr>
-          </a:lnRef>
-          <a:fillRef idx="1">
-            <a:schemeClr val="accent1"/>
-          </a:fillRef>
-          <a:effectRef idx="0">
-            <a:schemeClr val="accent1"/>
-          </a:effectRef>
-          <a:fontRef idx="minor">
-            <a:schemeClr val="lt1"/>
-          </a:fontRef>
-        </p:style>
-        <p:txBody>
-          <a:bodyPr rtlCol="0" anchor="ctr"/>
-          <a:lstStyle/>
-          <a:p>
-            <a:pPr algn="ctr"/>
-            <a:r>
-              <a:rPr lang="en-US" dirty="0">
-                <a:solidFill>
-                  <a:schemeClr val="tx1"/>
-                </a:solidFill>
-              </a:rPr>
-              <a:t>Variable filter</a:t>
-            </a:r>
-            <a:endParaRPr lang="de-DE" dirty="0">
-              <a:solidFill>
-                <a:schemeClr val="tx1"/>
-              </a:solidFill>
-            </a:endParaRPr>
-          </a:p>
-        </p:txBody>
-      </p:sp>
-      <p:sp>
-        <p:nvSpPr>
-          <p:cNvPr id="5" name="Bogen 4"/>
-          <p:cNvSpPr/>
-          <p:nvPr/>
-        </p:nvSpPr>
-        <p:spPr>
-          <a:xfrm rot="11343930">
-            <a:off x="5173589" y="1377602"/>
-            <a:ext cx="2708921" cy="591269"/>
-          </a:xfrm>
-          <a:prstGeom prst="arc">
-            <a:avLst>
-              <a:gd name="adj1" fmla="val 138306"/>
-              <a:gd name="adj2" fmla="val 4712782"/>
-            </a:avLst>
-          </a:prstGeom>
-          <a:ln w="57150">
-            <a:solidFill>
-              <a:srgbClr val="C00000"/>
-            </a:solidFill>
-            <a:headEnd type="triangle"/>
-            <a:tailEnd type="none"/>
-          </a:ln>
-        </p:spPr>
-        <p:style>
-          <a:lnRef idx="1">
-            <a:schemeClr val="accent1"/>
-          </a:lnRef>
-          <a:fillRef idx="0">
-            <a:schemeClr val="accent1"/>
-          </a:fillRef>
-          <a:effectRef idx="0">
-            <a:schemeClr val="accent1"/>
-          </a:effectRef>
-          <a:fontRef idx="minor">
-            <a:schemeClr val="tx1"/>
-          </a:fontRef>
-        </p:style>
-        <p:txBody>
-          <a:bodyPr rtlCol="0" anchor="ctr"/>
-          <a:lstStyle/>
-          <a:p>
-            <a:pPr algn="ctr"/>
-            <a:endParaRPr lang="de-DE"/>
-          </a:p>
-        </p:txBody>
-      </p:sp>
-      <p:sp>
-        <p:nvSpPr>
-          <p:cNvPr id="6" name="Bogen 5"/>
-          <p:cNvSpPr/>
-          <p:nvPr/>
-        </p:nvSpPr>
-        <p:spPr>
-          <a:xfrm rot="9826904" flipV="1">
-            <a:off x="4944790" y="891882"/>
-            <a:ext cx="3166516" cy="753759"/>
-          </a:xfrm>
-          <a:prstGeom prst="arc">
-            <a:avLst>
-              <a:gd name="adj1" fmla="val 460378"/>
-              <a:gd name="adj2" fmla="val 4285221"/>
-            </a:avLst>
-          </a:prstGeom>
-          <a:ln w="57150">
-            <a:solidFill>
-              <a:srgbClr val="C00000"/>
-            </a:solidFill>
-            <a:headEnd type="triangle"/>
-            <a:tailEnd type="none"/>
-          </a:ln>
-        </p:spPr>
-        <p:style>
-          <a:lnRef idx="1">
-            <a:schemeClr val="accent1"/>
-          </a:lnRef>
-          <a:fillRef idx="0">
-            <a:schemeClr val="accent1"/>
-          </a:fillRef>
-          <a:effectRef idx="0">
-            <a:schemeClr val="accent1"/>
-          </a:effectRef>
-          <a:fontRef idx="minor">
-            <a:schemeClr val="tx1"/>
-          </a:fontRef>
-        </p:style>
-        <p:txBody>
-          <a:bodyPr rtlCol="0" anchor="ctr"/>
-          <a:lstStyle/>
-          <a:p>
-            <a:pPr algn="ctr"/>
-            <a:endParaRPr lang="de-DE"/>
-          </a:p>
-        </p:txBody>
-      </p:sp>
-      <p:sp>
-        <p:nvSpPr>
-          <p:cNvPr id="7" name="Rechteck 6"/>
-          <p:cNvSpPr/>
-          <p:nvPr/>
-        </p:nvSpPr>
-        <p:spPr>
-          <a:xfrm>
-            <a:off x="4079776" y="3717032"/>
-            <a:ext cx="1326662" cy="504056"/>
-          </a:xfrm>
-          <a:prstGeom prst="rect">
-            <a:avLst/>
-          </a:prstGeom>
-          <a:solidFill>
-            <a:schemeClr val="bg1"/>
-          </a:solidFill>
-          <a:ln w="12700">
-            <a:solidFill>
-              <a:schemeClr val="tx1"/>
-            </a:solidFill>
-          </a:ln>
-          <a:effectLst>
-            <a:outerShdw blurRad="50800" dist="38100" dir="2700000" algn="tl" rotWithShape="0">
-              <a:prstClr val="black">
-                <a:alpha val="40000"/>
-              </a:prstClr>
-            </a:outerShdw>
-          </a:effectLst>
-        </p:spPr>
-        <p:style>
-          <a:lnRef idx="2">
-            <a:schemeClr val="accent1">
-              <a:shade val="50000"/>
-            </a:schemeClr>
-          </a:lnRef>
-          <a:fillRef idx="1">
-            <a:schemeClr val="accent1"/>
-          </a:fillRef>
-          <a:effectRef idx="0">
-            <a:schemeClr val="accent1"/>
-          </a:effectRef>
-          <a:fontRef idx="minor">
-            <a:schemeClr val="lt1"/>
-          </a:fontRef>
-        </p:style>
-        <p:txBody>
-          <a:bodyPr rtlCol="0" anchor="ctr"/>
-          <a:lstStyle/>
-          <a:p>
-            <a:pPr algn="ctr"/>
-            <a:r>
-              <a:rPr lang="en-US" dirty="0">
-                <a:solidFill>
-                  <a:schemeClr val="tx1"/>
-                </a:solidFill>
-              </a:rPr>
-              <a:t>Variable filter results</a:t>
-            </a:r>
-            <a:endParaRPr lang="de-DE" dirty="0">
-              <a:solidFill>
-                <a:schemeClr val="tx1"/>
-              </a:solidFill>
-            </a:endParaRPr>
-          </a:p>
-        </p:txBody>
-      </p:sp>
-      <p:sp>
-        <p:nvSpPr>
-          <p:cNvPr id="8" name="Bogen 7"/>
-          <p:cNvSpPr/>
-          <p:nvPr/>
-        </p:nvSpPr>
-        <p:spPr>
-          <a:xfrm rot="16200000" flipV="1">
-            <a:off x="3127109" y="3447112"/>
-            <a:ext cx="3166516" cy="829134"/>
-          </a:xfrm>
-          <a:prstGeom prst="arc">
-            <a:avLst>
-              <a:gd name="adj1" fmla="val 874684"/>
-              <a:gd name="adj2" fmla="val 4086215"/>
-            </a:avLst>
-          </a:prstGeom>
-          <a:ln w="57150">
-            <a:solidFill>
-              <a:srgbClr val="C00000"/>
-            </a:solidFill>
-            <a:headEnd type="triangle"/>
-            <a:tailEnd type="none"/>
-          </a:ln>
-        </p:spPr>
-        <p:style>
-          <a:lnRef idx="1">
-            <a:schemeClr val="accent1"/>
-          </a:lnRef>
-          <a:fillRef idx="0">
-            <a:schemeClr val="accent1"/>
-          </a:fillRef>
-          <a:effectRef idx="0">
-            <a:schemeClr val="accent1"/>
-          </a:effectRef>
-          <a:fontRef idx="minor">
-            <a:schemeClr val="tx1"/>
-          </a:fontRef>
-        </p:style>
-        <p:txBody>
-          <a:bodyPr rtlCol="0" anchor="ctr"/>
-          <a:lstStyle/>
-          <a:p>
-            <a:pPr algn="ctr"/>
-            <a:endParaRPr lang="de-DE"/>
-          </a:p>
-        </p:txBody>
-      </p:sp>
     </p:spTree>
     <p:extLst>
       <p:ext uri="{BB962C8B-B14F-4D97-AF65-F5344CB8AC3E}">
-        <p14:creationId xmlns:p14="http://schemas.microsoft.com/office/powerpoint/2010/main" val="2963860428"/>
+        <p14:creationId xmlns:p14="http://schemas.microsoft.com/office/powerpoint/2010/main" val="1680656099"/>
       </p:ext>
     </p:extLst>
   </p:cSld>
@@ -4383,7 +6765,7 @@
       </p:grpSpPr>
       <p:pic>
         <p:nvPicPr>
-          <p:cNvPr id="5" name="Grafik 4"/>
+          <p:cNvPr id="4" name="Grafik 3"/>
           <p:cNvPicPr>
             <a:picLocks noChangeAspect="1"/>
           </p:cNvPicPr>
@@ -4397,66 +6779,49 @@
         </p:blipFill>
         <p:spPr>
           <a:xfrm>
-            <a:off x="1524001" y="917503"/>
-            <a:ext cx="9128401" cy="4473919"/>
+            <a:off x="0" y="372341"/>
+            <a:ext cx="12192000" cy="5676510"/>
           </a:xfrm>
           <a:prstGeom prst="rect">
             <a:avLst/>
           </a:prstGeom>
         </p:spPr>
       </p:pic>
-      <p:sp>
-        <p:nvSpPr>
-          <p:cNvPr id="3" name="Bogen 2"/>
-          <p:cNvSpPr/>
-          <p:nvPr/>
-        </p:nvSpPr>
-        <p:spPr>
-          <a:xfrm rot="1903219" flipV="1">
-            <a:off x="1219433" y="1599734"/>
-            <a:ext cx="4795925" cy="2808098"/>
-          </a:xfrm>
-          <a:prstGeom prst="arc">
-            <a:avLst>
-              <a:gd name="adj1" fmla="val 8127051"/>
-              <a:gd name="adj2" fmla="val 9574470"/>
-            </a:avLst>
-          </a:prstGeom>
-          <a:ln w="57150">
-            <a:solidFill>
-              <a:srgbClr val="C00000"/>
-            </a:solidFill>
-            <a:headEnd type="triangle"/>
-            <a:tailEnd type="none"/>
-          </a:ln>
-        </p:spPr>
-        <p:style>
-          <a:lnRef idx="1">
-            <a:schemeClr val="accent1"/>
-          </a:lnRef>
-          <a:fillRef idx="0">
-            <a:schemeClr val="accent1"/>
-          </a:fillRef>
-          <a:effectRef idx="0">
-            <a:schemeClr val="accent1"/>
-          </a:effectRef>
-          <a:fontRef idx="minor">
-            <a:schemeClr val="tx1"/>
-          </a:fontRef>
-        </p:style>
-        <p:txBody>
-          <a:bodyPr rtlCol="0" anchor="ctr"/>
-          <a:lstStyle/>
-          <a:p>
-            <a:pPr algn="ctr"/>
-            <a:endParaRPr lang="de-DE"/>
-          </a:p>
-        </p:txBody>
-      </p:sp>
+      <p:pic>
+        <p:nvPicPr>
+          <p:cNvPr id="6" name="Grafik 5"/>
+          <p:cNvPicPr>
+            <a:picLocks noChangeAspect="1"/>
+          </p:cNvPicPr>
+          <p:nvPr/>
+        </p:nvPicPr>
+        <p:blipFill>
+          <a:blip r:embed="rId3"/>
+          <a:stretch>
+            <a:fillRect/>
+          </a:stretch>
+        </p:blipFill>
+        <p:spPr>
+          <a:xfrm>
+            <a:off x="5167618" y="756948"/>
+            <a:ext cx="7024382" cy="5249449"/>
+          </a:xfrm>
+          <a:prstGeom prst="rect">
+            <a:avLst/>
+          </a:prstGeom>
+          <a:effectLst>
+            <a:outerShdw blurRad="63500" sx="102000" sy="102000" algn="ctr" rotWithShape="0">
+              <a:prstClr val="black">
+                <a:alpha val="40000"/>
+              </a:prstClr>
+            </a:outerShdw>
+          </a:effectLst>
+        </p:spPr>
+      </p:pic>
     </p:spTree>
     <p:extLst>
       <p:ext uri="{BB962C8B-B14F-4D97-AF65-F5344CB8AC3E}">
-        <p14:creationId xmlns:p14="http://schemas.microsoft.com/office/powerpoint/2010/main" val="1174747228"/>
+        <p14:creationId xmlns:p14="http://schemas.microsoft.com/office/powerpoint/2010/main" val="3519815943"/>
       </p:ext>
     </p:extLst>
   </p:cSld>
@@ -4485,7 +6850,7 @@
       </p:grpSpPr>
       <p:pic>
         <p:nvPicPr>
-          <p:cNvPr id="13" name="Grafik 12"/>
+          <p:cNvPr id="4" name="Grafik 3"/>
           <p:cNvPicPr>
             <a:picLocks noChangeAspect="1"/>
           </p:cNvPicPr>
@@ -4499,8 +6864,8 @@
         </p:blipFill>
         <p:spPr>
           <a:xfrm>
-            <a:off x="1514643" y="836712"/>
-            <a:ext cx="9153357" cy="4523072"/>
+            <a:off x="0" y="372341"/>
+            <a:ext cx="12192000" cy="5676510"/>
           </a:xfrm>
           <a:prstGeom prst="rect">
             <a:avLst/>
@@ -4509,22 +6874,20 @@
       </p:pic>
       <p:sp>
         <p:nvSpPr>
-          <p:cNvPr id="11" name="Rechteck 10"/>
+          <p:cNvPr id="5" name="Rechteck 4"/>
           <p:cNvSpPr/>
           <p:nvPr/>
         </p:nvSpPr>
         <p:spPr>
           <a:xfrm>
-            <a:off x="3581918" y="2752793"/>
-            <a:ext cx="1289946" cy="504056"/>
+            <a:off x="5264727" y="2189018"/>
+            <a:ext cx="2955637" cy="341746"/>
           </a:xfrm>
           <a:prstGeom prst="rect">
             <a:avLst/>
           </a:prstGeom>
-          <a:solidFill>
-            <a:schemeClr val="bg1"/>
-          </a:solidFill>
-          <a:ln w="12700">
+          <a:noFill/>
+          <a:ln>
             <a:solidFill>
               <a:schemeClr val="tx1"/>
             </a:solidFill>
@@ -4558,277 +6921,6 @@
           <a:lstStyle/>
           <a:p>
             <a:pPr algn="ctr"/>
-            <a:r>
-              <a:rPr lang="en-US" dirty="0">
-                <a:solidFill>
-                  <a:schemeClr val="tx1"/>
-                </a:solidFill>
-              </a:rPr>
-              <a:t>Toggle view</a:t>
-            </a:r>
-            <a:endParaRPr lang="de-DE" dirty="0">
-              <a:solidFill>
-                <a:schemeClr val="tx1"/>
-              </a:solidFill>
-            </a:endParaRPr>
-          </a:p>
-        </p:txBody>
-      </p:sp>
-      <p:sp>
-        <p:nvSpPr>
-          <p:cNvPr id="8" name="Bogen 7"/>
-          <p:cNvSpPr/>
-          <p:nvPr/>
-        </p:nvSpPr>
-        <p:spPr>
-          <a:xfrm rot="14328537">
-            <a:off x="2337056" y="1867918"/>
-            <a:ext cx="2316405" cy="429735"/>
-          </a:xfrm>
-          <a:prstGeom prst="arc">
-            <a:avLst>
-              <a:gd name="adj1" fmla="val 11767317"/>
-              <a:gd name="adj2" fmla="val 21016908"/>
-            </a:avLst>
-          </a:prstGeom>
-          <a:ln w="57150">
-            <a:solidFill>
-              <a:srgbClr val="C00000"/>
-            </a:solidFill>
-            <a:headEnd type="none"/>
-            <a:tailEnd type="triangle"/>
-          </a:ln>
-        </p:spPr>
-        <p:style>
-          <a:lnRef idx="1">
-            <a:schemeClr val="accent1"/>
-          </a:lnRef>
-          <a:fillRef idx="0">
-            <a:schemeClr val="accent1"/>
-          </a:fillRef>
-          <a:effectRef idx="0">
-            <a:schemeClr val="accent1"/>
-          </a:effectRef>
-          <a:fontRef idx="minor">
-            <a:schemeClr val="tx1"/>
-          </a:fontRef>
-        </p:style>
-        <p:txBody>
-          <a:bodyPr rtlCol="0" anchor="ctr"/>
-          <a:lstStyle/>
-          <a:p>
-            <a:pPr algn="ctr"/>
-            <a:endParaRPr lang="de-DE"/>
-          </a:p>
-        </p:txBody>
-      </p:sp>
-      <p:sp>
-        <p:nvSpPr>
-          <p:cNvPr id="9" name="Bogen 8"/>
-          <p:cNvSpPr/>
-          <p:nvPr/>
-        </p:nvSpPr>
-        <p:spPr>
-          <a:xfrm rot="18564995">
-            <a:off x="3606951" y="1938673"/>
-            <a:ext cx="2316405" cy="429735"/>
-          </a:xfrm>
-          <a:prstGeom prst="arc">
-            <a:avLst>
-              <a:gd name="adj1" fmla="val 11380959"/>
-              <a:gd name="adj2" fmla="val 21016908"/>
-            </a:avLst>
-          </a:prstGeom>
-          <a:ln w="57150">
-            <a:solidFill>
-              <a:srgbClr val="C00000"/>
-            </a:solidFill>
-            <a:headEnd type="none"/>
-            <a:tailEnd type="triangle"/>
-          </a:ln>
-        </p:spPr>
-        <p:style>
-          <a:lnRef idx="1">
-            <a:schemeClr val="accent1"/>
-          </a:lnRef>
-          <a:fillRef idx="0">
-            <a:schemeClr val="accent1"/>
-          </a:fillRef>
-          <a:effectRef idx="0">
-            <a:schemeClr val="accent1"/>
-          </a:effectRef>
-          <a:fontRef idx="minor">
-            <a:schemeClr val="tx1"/>
-          </a:fontRef>
-        </p:style>
-        <p:txBody>
-          <a:bodyPr rtlCol="0" anchor="ctr"/>
-          <a:lstStyle/>
-          <a:p>
-            <a:pPr algn="ctr"/>
-            <a:endParaRPr lang="de-DE"/>
-          </a:p>
-        </p:txBody>
-      </p:sp>
-      <p:sp>
-        <p:nvSpPr>
-          <p:cNvPr id="12" name="Bogen 11"/>
-          <p:cNvSpPr/>
-          <p:nvPr/>
-        </p:nvSpPr>
-        <p:spPr>
-          <a:xfrm rot="18564995" flipV="1">
-            <a:off x="3784599" y="1779297"/>
-            <a:ext cx="2316405" cy="330384"/>
-          </a:xfrm>
-          <a:prstGeom prst="arc">
-            <a:avLst>
-              <a:gd name="adj1" fmla="val 11186184"/>
-              <a:gd name="adj2" fmla="val 21016908"/>
-            </a:avLst>
-          </a:prstGeom>
-          <a:ln w="57150">
-            <a:solidFill>
-              <a:srgbClr val="C00000"/>
-            </a:solidFill>
-            <a:headEnd type="none"/>
-            <a:tailEnd type="triangle"/>
-          </a:ln>
-        </p:spPr>
-        <p:style>
-          <a:lnRef idx="1">
-            <a:schemeClr val="accent1"/>
-          </a:lnRef>
-          <a:fillRef idx="0">
-            <a:schemeClr val="accent1"/>
-          </a:fillRef>
-          <a:effectRef idx="0">
-            <a:schemeClr val="accent1"/>
-          </a:effectRef>
-          <a:fontRef idx="minor">
-            <a:schemeClr val="tx1"/>
-          </a:fontRef>
-        </p:style>
-        <p:txBody>
-          <a:bodyPr rtlCol="0" anchor="ctr"/>
-          <a:lstStyle/>
-          <a:p>
-            <a:pPr algn="ctr"/>
-            <a:endParaRPr lang="de-DE"/>
-          </a:p>
-        </p:txBody>
-      </p:sp>
-      <p:sp>
-        <p:nvSpPr>
-          <p:cNvPr id="7" name="Rechteck 6"/>
-          <p:cNvSpPr/>
-          <p:nvPr/>
-        </p:nvSpPr>
-        <p:spPr>
-          <a:xfrm>
-            <a:off x="6917680" y="3022082"/>
-            <a:ext cx="1416745" cy="661279"/>
-          </a:xfrm>
-          <a:prstGeom prst="rect">
-            <a:avLst/>
-          </a:prstGeom>
-          <a:solidFill>
-            <a:schemeClr val="bg1"/>
-          </a:solidFill>
-          <a:ln w="12700">
-            <a:solidFill>
-              <a:schemeClr val="tx1"/>
-            </a:solidFill>
-          </a:ln>
-          <a:effectLst>
-            <a:outerShdw blurRad="63500" sx="102000" sy="102000" algn="ctr" rotWithShape="0">
-              <a:prstClr val="black">
-                <a:alpha val="40000"/>
-              </a:prstClr>
-            </a:outerShdw>
-          </a:effectLst>
-        </p:spPr>
-        <p:style>
-          <a:lnRef idx="2">
-            <a:schemeClr val="accent1">
-              <a:shade val="50000"/>
-            </a:schemeClr>
-          </a:lnRef>
-          <a:fillRef idx="1">
-            <a:schemeClr val="accent1"/>
-          </a:fillRef>
-          <a:effectRef idx="0">
-            <a:schemeClr val="accent1"/>
-          </a:effectRef>
-          <a:fontRef idx="minor">
-            <a:schemeClr val="lt1"/>
-          </a:fontRef>
-        </p:style>
-        <p:txBody>
-          <a:bodyPr rtlCol="0" anchor="ctr"/>
-          <a:lstStyle/>
-          <a:p>
-            <a:pPr algn="ctr"/>
-            <a:r>
-              <a:rPr lang="en-US" dirty="0">
-                <a:solidFill>
-                  <a:schemeClr val="tx1"/>
-                </a:solidFill>
-              </a:rPr>
-              <a:t>Focus on task form</a:t>
-            </a:r>
-            <a:endParaRPr lang="de-DE" dirty="0">
-              <a:solidFill>
-                <a:schemeClr val="tx1"/>
-              </a:solidFill>
-            </a:endParaRPr>
-          </a:p>
-        </p:txBody>
-      </p:sp>
-      <p:sp>
-        <p:nvSpPr>
-          <p:cNvPr id="10" name="Bogen 9"/>
-          <p:cNvSpPr/>
-          <p:nvPr/>
-        </p:nvSpPr>
-        <p:spPr>
-          <a:xfrm rot="14374071">
-            <a:off x="4683027" y="1799074"/>
-            <a:ext cx="3068958" cy="253680"/>
-          </a:xfrm>
-          <a:prstGeom prst="arc">
-            <a:avLst>
-              <a:gd name="adj1" fmla="val 10939583"/>
-              <a:gd name="adj2" fmla="val 21061214"/>
-            </a:avLst>
-          </a:prstGeom>
-          <a:ln w="57150">
-            <a:solidFill>
-              <a:srgbClr val="C00000"/>
-            </a:solidFill>
-            <a:headEnd type="none"/>
-            <a:tailEnd type="triangle"/>
-          </a:ln>
-        </p:spPr>
-        <p:style>
-          <a:lnRef idx="1">
-            <a:schemeClr val="accent1"/>
-          </a:lnRef>
-          <a:fillRef idx="0">
-            <a:schemeClr val="accent1"/>
-          </a:fillRef>
-          <a:effectRef idx="0">
-            <a:schemeClr val="accent1"/>
-          </a:effectRef>
-          <a:fontRef idx="minor">
-            <a:schemeClr val="tx1"/>
-          </a:fontRef>
-        </p:style>
-        <p:txBody>
-          <a:bodyPr rtlCol="0" anchor="ctr"/>
-          <a:lstStyle/>
-          <a:p>
-            <a:pPr algn="ctr"/>
             <a:endParaRPr lang="de-DE"/>
           </a:p>
         </p:txBody>
@@ -4836,7 +6928,7 @@
     </p:spTree>
     <p:extLst>
       <p:ext uri="{BB962C8B-B14F-4D97-AF65-F5344CB8AC3E}">
-        <p14:creationId xmlns:p14="http://schemas.microsoft.com/office/powerpoint/2010/main" val="3224418231"/>
+        <p14:creationId xmlns:p14="http://schemas.microsoft.com/office/powerpoint/2010/main" val="4180674854"/>
       </p:ext>
     </p:extLst>
   </p:cSld>
